--- a/lezioni/H 10-13 deformazione nelle travi inflesse.pptx
+++ b/lezioni/H 10-13 deformazione nelle travi inflesse.pptx
@@ -16,8 +16,21 @@
     <p:sldId id="263" r:id="rId10"/>
     <p:sldId id="265" r:id="rId11"/>
     <p:sldId id="266" r:id="rId12"/>
-    <p:sldId id="267" r:id="rId13"/>
-    <p:sldId id="268" r:id="rId14"/>
+    <p:sldId id="275" r:id="rId13"/>
+    <p:sldId id="276" r:id="rId14"/>
+    <p:sldId id="278" r:id="rId15"/>
+    <p:sldId id="279" r:id="rId16"/>
+    <p:sldId id="274" r:id="rId17"/>
+    <p:sldId id="271" r:id="rId18"/>
+    <p:sldId id="277" r:id="rId19"/>
+    <p:sldId id="273" r:id="rId20"/>
+    <p:sldId id="272" r:id="rId21"/>
+    <p:sldId id="267" r:id="rId22"/>
+    <p:sldId id="268" r:id="rId23"/>
+    <p:sldId id="280" r:id="rId24"/>
+    <p:sldId id="281" r:id="rId25"/>
+    <p:sldId id="282" r:id="rId26"/>
+    <p:sldId id="269" r:id="rId27"/>
   </p:sldIdLst>
   <p:sldSz cx="12192000" cy="6858000"/>
   <p:notesSz cx="6858000" cy="9144000"/>
@@ -116,6 +129,11 @@
       </a:defRPr>
     </a:lvl9pPr>
   </p:defaultTextStyle>
+  <p:extLst>
+    <p:ext uri="{EFAFB233-063F-42B5-8137-9DF3F51BA10A}">
+      <p15:sldGuideLst xmlns:p15="http://schemas.microsoft.com/office/powerpoint/2012/main"/>
+    </p:ext>
+  </p:extLst>
 </p:presentation>
 </file>
 
@@ -3456,24 +3474,29 @@
             <p:ph type="title"/>
           </p:nvPr>
         </p:nvSpPr>
-        <p:spPr/>
+        <p:spPr>
+          <a:xfrm>
+            <a:off x="589721" y="106708"/>
+            <a:ext cx="10515600" cy="1325563"/>
+          </a:xfrm>
+        </p:spPr>
         <p:txBody>
           <a:bodyPr/>
           <a:lstStyle/>
           <a:p>
             <a:r>
               <a:rPr lang="en-IT" dirty="0"/>
-              <a:t>Relazione tra curvatura e spostamento lungo y</a:t>
+              <a:t>Relazione tra curvatura e spostamento </a:t>
             </a:r>
           </a:p>
         </p:txBody>
       </p:sp>
       <p:pic>
         <p:nvPicPr>
-          <p:cNvPr id="10" name="Picture 9" descr="\documentclass{article}&#10;\usepackage{amsmath,bbm,mathrsfs}&#10;\setlength\parindent{0em}&#10;\usepackage{geometry}&#10;\geometry{textwidth=10cm}&#10;\setlength\parskip{1em}&#10;\pagestyle{empty}&#10;\begin{document}&#10;&#10;Indicando con $v(x)$ lo spostamento dell'asse neutro lungo $y$, dai corsi di analisi sappiamo che il raggio di curvatura si pu\`o approssimare con &#10;$$&#10;\frac 1 \rho =\frac{d^2 v}{dx^2},&#10;$$&#10;a patto di convenire che $\rho&lt;0$ quando la concavit\`a della trave \`e rivolta lungo $-y$.&#10;&#10;Dalla equazione costitutive (convenendo che $M=M_z$ e $I=I_z$)&#10;$$&#10;M=\frac{EI}\rho&#10;$$&#10;troviamo &#10;$$&#10;M=EI\frac{d^2 v}{dx^2}&#10;$$&#10;&#10;&#10;\end{document}" title="IguanaTex Bitmap Display">
-            <a:extLst>
-              <a:ext uri="{FF2B5EF4-FFF2-40B4-BE49-F238E27FC236}">
-                <a16:creationId xmlns:a16="http://schemas.microsoft.com/office/drawing/2014/main" id="{AF11D29D-101D-D9EF-8183-79C9B5B75DCB}"/>
+          <p:cNvPr id="7" name="Picture 6" descr="\documentclass{article}&#10;\usepackage{amsmath,bbm,mathrsfs}&#10;\setlength\parindent{0em}&#10;\usepackage{geometry}&#10;\geometry{textwidth=17cm}&#10;\setlength\parskip{1em}&#10;\pagestyle{empty}&#10;\begin{document}&#10;&#10;Indicando con $v(x)$ lo spostamento dell'asse neutro lungo $y$, la pendenza del grafico della deformata \`e&#10;$$&#10;\theta=\frac{dv}{dx}.&#10;$$&#10;La curvatura del grafico \`e&#10;$$&#10;k=\frac{d\theta}{ds}&#10;$$&#10;dove $ds=\sqrt{1+\theta^2}dx$ \`e la lunghezza d'arco, con la convenzione che $k&gt;0$ quando la concavit\`a della curva \`e verso l'alto.&#10;&#10;Se $\theta$ \`e piccolo,&#10;$$&#10;\frac 1 \rho=k=\frac{d^2 v}{dx^2},&#10;$$&#10;con la convenzione che $\rho&lt;0$ quando la concavit\`a della trave \`e rivolta lungo $-y$.&#10;&#10;Dalla equazione costitutive (convenendo che $M=M_z$ e $I=I_z$)&#10;$$&#10;M=\frac{EI}\rho&#10;$$&#10;troviamo &#10;$$&#10;M=EI\frac{d^2 v}{dx^2}&#10;$$&#10;&#10;&#10;\end{document}" title="IguanaTex Bitmap Display">
+            <a:extLst>
+              <a:ext uri="{FF2B5EF4-FFF2-40B4-BE49-F238E27FC236}">
+                <a16:creationId xmlns:a16="http://schemas.microsoft.com/office/drawing/2014/main" id="{3E5A00AF-16DE-C1B6-28B6-095631A64CD2}"/>
               </a:ext>
             </a:extLst>
           </p:cNvPr>
@@ -3494,8 +3517,8 @@
         </p:blipFill>
         <p:spPr>
           <a:xfrm>
-            <a:off x="852743" y="1920875"/>
-            <a:ext cx="7188200" cy="4572000"/>
+            <a:off x="1106557" y="1590261"/>
+            <a:ext cx="9054732" cy="5090938"/>
           </a:xfrm>
           <a:prstGeom prst="rect">
             <a:avLst/>
@@ -3524,7 +3547,7 @@
         </p:blipFill>
         <p:spPr>
           <a:xfrm>
-            <a:off x="8280399" y="2016262"/>
+            <a:off x="8371510" y="4361792"/>
             <a:ext cx="3579557" cy="2319407"/>
           </a:xfrm>
           <a:prstGeom prst="rect">
@@ -3659,6 +3682,884 @@
           <p:cNvPr id="2" name="Title 1">
             <a:extLst>
               <a:ext uri="{FF2B5EF4-FFF2-40B4-BE49-F238E27FC236}">
+                <a16:creationId xmlns:a16="http://schemas.microsoft.com/office/drawing/2014/main" id="{6B4AD327-9830-6D53-D503-F5C06C4F5802}"/>
+              </a:ext>
+            </a:extLst>
+          </p:cNvPr>
+          <p:cNvSpPr>
+            <a:spLocks noGrp="1"/>
+          </p:cNvSpPr>
+          <p:nvPr>
+            <p:ph type="title"/>
+          </p:nvPr>
+        </p:nvSpPr>
+        <p:spPr/>
+        <p:txBody>
+          <a:bodyPr/>
+          <a:lstStyle/>
+          <a:p>
+            <a:endParaRPr lang="en-IT" dirty="0"/>
+          </a:p>
+        </p:txBody>
+      </p:sp>
+      <p:sp>
+        <p:nvSpPr>
+          <p:cNvPr id="3" name="Content Placeholder 2">
+            <a:extLst>
+              <a:ext uri="{FF2B5EF4-FFF2-40B4-BE49-F238E27FC236}">
+                <a16:creationId xmlns:a16="http://schemas.microsoft.com/office/drawing/2014/main" id="{BC0B4B5D-81D1-2E05-1CDF-5CA2AB89764E}"/>
+              </a:ext>
+            </a:extLst>
+          </p:cNvPr>
+          <p:cNvSpPr>
+            <a:spLocks noGrp="1"/>
+          </p:cNvSpPr>
+          <p:nvPr>
+            <p:ph idx="1"/>
+          </p:nvPr>
+        </p:nvSpPr>
+        <p:spPr/>
+        <p:txBody>
+          <a:bodyPr/>
+          <a:lstStyle/>
+          <a:p>
+            <a:r>
+              <a:rPr lang="en-IT" dirty="0"/>
+              <a:t>Per una trave staticamente determinata, se si conosce M e` possibile risalire a v(x) a meno di due costanti di integrazione.</a:t>
+            </a:r>
+          </a:p>
+          <a:p>
+            <a:r>
+              <a:rPr lang="en-IT" dirty="0"/>
+              <a:t>Al variare di queste costanti, si ottiene una famiglia di spostamenti che differiscono per uno spostamento rigido v(x)=Ax+B.</a:t>
+            </a:r>
+          </a:p>
+          <a:p>
+            <a:r>
+              <a:rPr lang="en-IT" dirty="0"/>
+              <a:t>Tali costanti possono essere determinate imponendo le condizioni di vincolo </a:t>
+            </a:r>
+          </a:p>
+        </p:txBody>
+      </p:sp>
+    </p:spTree>
+    <p:extLst>
+      <p:ext uri="{BB962C8B-B14F-4D97-AF65-F5344CB8AC3E}">
+        <p14:creationId xmlns:p14="http://schemas.microsoft.com/office/powerpoint/2010/main" val="1869393382"/>
+      </p:ext>
+    </p:extLst>
+  </p:cSld>
+  <p:clrMapOvr>
+    <a:masterClrMapping/>
+  </p:clrMapOvr>
+</p:sld>
+</file>
+
+<file path=ppt/slides/slide13.xml><?xml version="1.0" encoding="utf-8"?>
+<p:sld xmlns:a="http://schemas.openxmlformats.org/drawingml/2006/main" xmlns:r="http://schemas.openxmlformats.org/officeDocument/2006/relationships" xmlns:p="http://schemas.openxmlformats.org/presentationml/2006/main">
+  <p:cSld>
+    <p:spTree>
+      <p:nvGrpSpPr>
+        <p:cNvPr id="1" name=""/>
+        <p:cNvGrpSpPr/>
+        <p:nvPr/>
+      </p:nvGrpSpPr>
+      <p:grpSpPr>
+        <a:xfrm>
+          <a:off x="0" y="0"/>
+          <a:ext cx="0" cy="0"/>
+          <a:chOff x="0" y="0"/>
+          <a:chExt cx="0" cy="0"/>
+        </a:xfrm>
+      </p:grpSpPr>
+      <p:sp>
+        <p:nvSpPr>
+          <p:cNvPr id="2" name="Title 1">
+            <a:extLst>
+              <a:ext uri="{FF2B5EF4-FFF2-40B4-BE49-F238E27FC236}">
+                <a16:creationId xmlns:a16="http://schemas.microsoft.com/office/drawing/2014/main" id="{A4B42C54-ECCB-DD81-2847-229FDC55D56C}"/>
+              </a:ext>
+            </a:extLst>
+          </p:cNvPr>
+          <p:cNvSpPr>
+            <a:spLocks noGrp="1"/>
+          </p:cNvSpPr>
+          <p:nvPr>
+            <p:ph type="title"/>
+          </p:nvPr>
+        </p:nvSpPr>
+        <p:spPr/>
+        <p:txBody>
+          <a:bodyPr/>
+          <a:lstStyle/>
+          <a:p>
+            <a:r>
+              <a:rPr lang="en-IT" dirty="0"/>
+              <a:t>Esempio </a:t>
+            </a:r>
+          </a:p>
+        </p:txBody>
+      </p:sp>
+      <p:pic>
+        <p:nvPicPr>
+          <p:cNvPr id="4" name="Picture 3">
+            <a:extLst>
+              <a:ext uri="{FF2B5EF4-FFF2-40B4-BE49-F238E27FC236}">
+                <a16:creationId xmlns:a16="http://schemas.microsoft.com/office/drawing/2014/main" id="{BABDB688-43E5-3105-CEF9-6A040B174081}"/>
+              </a:ext>
+            </a:extLst>
+          </p:cNvPr>
+          <p:cNvPicPr>
+            <a:picLocks noChangeAspect="1"/>
+          </p:cNvPicPr>
+          <p:nvPr/>
+        </p:nvPicPr>
+        <p:blipFill>
+          <a:blip r:embed="rId2"/>
+          <a:stretch>
+            <a:fillRect/>
+          </a:stretch>
+        </p:blipFill>
+        <p:spPr>
+          <a:xfrm>
+            <a:off x="3270526" y="2375176"/>
+            <a:ext cx="6426200" cy="2425700"/>
+          </a:xfrm>
+          <a:prstGeom prst="rect">
+            <a:avLst/>
+          </a:prstGeom>
+        </p:spPr>
+      </p:pic>
+    </p:spTree>
+    <p:extLst>
+      <p:ext uri="{BB962C8B-B14F-4D97-AF65-F5344CB8AC3E}">
+        <p14:creationId xmlns:p14="http://schemas.microsoft.com/office/powerpoint/2010/main" val="1947380995"/>
+      </p:ext>
+    </p:extLst>
+  </p:cSld>
+  <p:clrMapOvr>
+    <a:masterClrMapping/>
+  </p:clrMapOvr>
+</p:sld>
+</file>
+
+<file path=ppt/slides/slide14.xml><?xml version="1.0" encoding="utf-8"?>
+<p:sld xmlns:a="http://schemas.openxmlformats.org/drawingml/2006/main" xmlns:r="http://schemas.openxmlformats.org/officeDocument/2006/relationships" xmlns:p="http://schemas.openxmlformats.org/presentationml/2006/main">
+  <p:cSld>
+    <p:spTree>
+      <p:nvGrpSpPr>
+        <p:cNvPr id="1" name=""/>
+        <p:cNvGrpSpPr/>
+        <p:nvPr/>
+      </p:nvGrpSpPr>
+      <p:grpSpPr>
+        <a:xfrm>
+          <a:off x="0" y="0"/>
+          <a:ext cx="0" cy="0"/>
+          <a:chOff x="0" y="0"/>
+          <a:chExt cx="0" cy="0"/>
+        </a:xfrm>
+      </p:grpSpPr>
+      <p:sp>
+        <p:nvSpPr>
+          <p:cNvPr id="2" name="Title 1">
+            <a:extLst>
+              <a:ext uri="{FF2B5EF4-FFF2-40B4-BE49-F238E27FC236}">
+                <a16:creationId xmlns:a16="http://schemas.microsoft.com/office/drawing/2014/main" id="{A4B42C54-ECCB-DD81-2847-229FDC55D56C}"/>
+              </a:ext>
+            </a:extLst>
+          </p:cNvPr>
+          <p:cNvSpPr>
+            <a:spLocks noGrp="1"/>
+          </p:cNvSpPr>
+          <p:nvPr>
+            <p:ph type="title"/>
+          </p:nvPr>
+        </p:nvSpPr>
+        <p:spPr/>
+        <p:txBody>
+          <a:bodyPr/>
+          <a:lstStyle/>
+          <a:p>
+            <a:r>
+              <a:rPr lang="en-IT" dirty="0"/>
+              <a:t>Esempio </a:t>
+            </a:r>
+          </a:p>
+        </p:txBody>
+      </p:sp>
+      <p:pic>
+        <p:nvPicPr>
+          <p:cNvPr id="3" name="Picture 2">
+            <a:extLst>
+              <a:ext uri="{FF2B5EF4-FFF2-40B4-BE49-F238E27FC236}">
+                <a16:creationId xmlns:a16="http://schemas.microsoft.com/office/drawing/2014/main" id="{087FD59C-DAAA-76B9-671E-9CDF9DDCB954}"/>
+              </a:ext>
+            </a:extLst>
+          </p:cNvPr>
+          <p:cNvPicPr>
+            <a:picLocks noChangeAspect="1"/>
+          </p:cNvPicPr>
+          <p:nvPr/>
+        </p:nvPicPr>
+        <p:blipFill>
+          <a:blip r:embed="rId2"/>
+          <a:stretch>
+            <a:fillRect/>
+          </a:stretch>
+        </p:blipFill>
+        <p:spPr>
+          <a:xfrm>
+            <a:off x="2506042" y="1778828"/>
+            <a:ext cx="6464300" cy="3568700"/>
+          </a:xfrm>
+          <a:prstGeom prst="rect">
+            <a:avLst/>
+          </a:prstGeom>
+        </p:spPr>
+      </p:pic>
+    </p:spTree>
+    <p:extLst>
+      <p:ext uri="{BB962C8B-B14F-4D97-AF65-F5344CB8AC3E}">
+        <p14:creationId xmlns:p14="http://schemas.microsoft.com/office/powerpoint/2010/main" val="3664972745"/>
+      </p:ext>
+    </p:extLst>
+  </p:cSld>
+  <p:clrMapOvr>
+    <a:masterClrMapping/>
+  </p:clrMapOvr>
+</p:sld>
+</file>
+
+<file path=ppt/slides/slide15.xml><?xml version="1.0" encoding="utf-8"?>
+<p:sld xmlns:a="http://schemas.openxmlformats.org/drawingml/2006/main" xmlns:r="http://schemas.openxmlformats.org/officeDocument/2006/relationships" xmlns:p="http://schemas.openxmlformats.org/presentationml/2006/main">
+  <p:cSld>
+    <p:spTree>
+      <p:nvGrpSpPr>
+        <p:cNvPr id="1" name=""/>
+        <p:cNvGrpSpPr/>
+        <p:nvPr/>
+      </p:nvGrpSpPr>
+      <p:grpSpPr>
+        <a:xfrm>
+          <a:off x="0" y="0"/>
+          <a:ext cx="0" cy="0"/>
+          <a:chOff x="0" y="0"/>
+          <a:chExt cx="0" cy="0"/>
+        </a:xfrm>
+      </p:grpSpPr>
+      <p:sp>
+        <p:nvSpPr>
+          <p:cNvPr id="2" name="Title 1">
+            <a:extLst>
+              <a:ext uri="{FF2B5EF4-FFF2-40B4-BE49-F238E27FC236}">
+                <a16:creationId xmlns:a16="http://schemas.microsoft.com/office/drawing/2014/main" id="{9176EC17-F656-E3A2-0317-C4C06DD15E9F}"/>
+              </a:ext>
+            </a:extLst>
+          </p:cNvPr>
+          <p:cNvSpPr>
+            <a:spLocks noGrp="1"/>
+          </p:cNvSpPr>
+          <p:nvPr>
+            <p:ph type="title"/>
+          </p:nvPr>
+        </p:nvSpPr>
+        <p:spPr/>
+        <p:txBody>
+          <a:bodyPr/>
+          <a:lstStyle/>
+          <a:p>
+            <a:r>
+              <a:rPr lang="en-IT" dirty="0"/>
+              <a:t>Esempio</a:t>
+            </a:r>
+          </a:p>
+        </p:txBody>
+      </p:sp>
+      <p:pic>
+        <p:nvPicPr>
+          <p:cNvPr id="4" name="Content Placeholder 3">
+            <a:extLst>
+              <a:ext uri="{FF2B5EF4-FFF2-40B4-BE49-F238E27FC236}">
+                <a16:creationId xmlns:a16="http://schemas.microsoft.com/office/drawing/2014/main" id="{A186CC8D-1195-1782-8B74-BE817485081B}"/>
+              </a:ext>
+            </a:extLst>
+          </p:cNvPr>
+          <p:cNvPicPr>
+            <a:picLocks noGrp="1" noChangeAspect="1"/>
+          </p:cNvPicPr>
+          <p:nvPr>
+            <p:ph idx="1"/>
+          </p:nvPr>
+        </p:nvPicPr>
+        <p:blipFill>
+          <a:blip r:embed="rId2"/>
+          <a:stretch>
+            <a:fillRect/>
+          </a:stretch>
+        </p:blipFill>
+        <p:spPr>
+          <a:xfrm>
+            <a:off x="2813050" y="2534444"/>
+            <a:ext cx="6565900" cy="2933700"/>
+          </a:xfrm>
+          <a:prstGeom prst="rect">
+            <a:avLst/>
+          </a:prstGeom>
+        </p:spPr>
+      </p:pic>
+    </p:spTree>
+    <p:extLst>
+      <p:ext uri="{BB962C8B-B14F-4D97-AF65-F5344CB8AC3E}">
+        <p14:creationId xmlns:p14="http://schemas.microsoft.com/office/powerpoint/2010/main" val="2957656975"/>
+      </p:ext>
+    </p:extLst>
+  </p:cSld>
+  <p:clrMapOvr>
+    <a:masterClrMapping/>
+  </p:clrMapOvr>
+</p:sld>
+</file>
+
+<file path=ppt/slides/slide16.xml><?xml version="1.0" encoding="utf-8"?>
+<p:sld xmlns:a="http://schemas.openxmlformats.org/drawingml/2006/main" xmlns:r="http://schemas.openxmlformats.org/officeDocument/2006/relationships" xmlns:p="http://schemas.openxmlformats.org/presentationml/2006/main">
+  <p:cSld>
+    <p:spTree>
+      <p:nvGrpSpPr>
+        <p:cNvPr id="1" name=""/>
+        <p:cNvGrpSpPr/>
+        <p:nvPr/>
+      </p:nvGrpSpPr>
+      <p:grpSpPr>
+        <a:xfrm>
+          <a:off x="0" y="0"/>
+          <a:ext cx="0" cy="0"/>
+          <a:chOff x="0" y="0"/>
+          <a:chExt cx="0" cy="0"/>
+        </a:xfrm>
+      </p:grpSpPr>
+      <p:sp>
+        <p:nvSpPr>
+          <p:cNvPr id="2" name="Title 1">
+            <a:extLst>
+              <a:ext uri="{FF2B5EF4-FFF2-40B4-BE49-F238E27FC236}">
+                <a16:creationId xmlns:a16="http://schemas.microsoft.com/office/drawing/2014/main" id="{13C0F8E7-0B94-3AB5-8249-2FC73BAEFE54}"/>
+              </a:ext>
+            </a:extLst>
+          </p:cNvPr>
+          <p:cNvSpPr>
+            <a:spLocks noGrp="1"/>
+          </p:cNvSpPr>
+          <p:nvPr>
+            <p:ph type="title"/>
+          </p:nvPr>
+        </p:nvSpPr>
+        <p:spPr/>
+        <p:txBody>
+          <a:bodyPr/>
+          <a:lstStyle/>
+          <a:p>
+            <a:r>
+              <a:rPr lang="en-IT" dirty="0"/>
+              <a:t>Esempio</a:t>
+            </a:r>
+          </a:p>
+        </p:txBody>
+      </p:sp>
+      <p:pic>
+        <p:nvPicPr>
+          <p:cNvPr id="4" name="Content Placeholder 3">
+            <a:extLst>
+              <a:ext uri="{FF2B5EF4-FFF2-40B4-BE49-F238E27FC236}">
+                <a16:creationId xmlns:a16="http://schemas.microsoft.com/office/drawing/2014/main" id="{A2636E9C-B2F0-F399-7488-8659A4BD36AF}"/>
+              </a:ext>
+            </a:extLst>
+          </p:cNvPr>
+          <p:cNvPicPr>
+            <a:picLocks noGrp="1" noChangeAspect="1"/>
+          </p:cNvPicPr>
+          <p:nvPr>
+            <p:ph idx="1"/>
+          </p:nvPr>
+        </p:nvPicPr>
+        <p:blipFill>
+          <a:blip r:embed="rId2"/>
+          <a:stretch>
+            <a:fillRect/>
+          </a:stretch>
+        </p:blipFill>
+        <p:spPr>
+          <a:xfrm>
+            <a:off x="2526017" y="1253331"/>
+            <a:ext cx="6503861" cy="4351338"/>
+          </a:xfrm>
+          <a:prstGeom prst="rect">
+            <a:avLst/>
+          </a:prstGeom>
+        </p:spPr>
+      </p:pic>
+    </p:spTree>
+    <p:extLst>
+      <p:ext uri="{BB962C8B-B14F-4D97-AF65-F5344CB8AC3E}">
+        <p14:creationId xmlns:p14="http://schemas.microsoft.com/office/powerpoint/2010/main" val="645356918"/>
+      </p:ext>
+    </p:extLst>
+  </p:cSld>
+  <p:clrMapOvr>
+    <a:masterClrMapping/>
+  </p:clrMapOvr>
+</p:sld>
+</file>
+
+<file path=ppt/slides/slide17.xml><?xml version="1.0" encoding="utf-8"?>
+<p:sld xmlns:a="http://schemas.openxmlformats.org/drawingml/2006/main" xmlns:r="http://schemas.openxmlformats.org/officeDocument/2006/relationships" xmlns:p="http://schemas.openxmlformats.org/presentationml/2006/main">
+  <p:cSld>
+    <p:spTree>
+      <p:nvGrpSpPr>
+        <p:cNvPr id="1" name=""/>
+        <p:cNvGrpSpPr/>
+        <p:nvPr/>
+      </p:nvGrpSpPr>
+      <p:grpSpPr>
+        <a:xfrm>
+          <a:off x="0" y="0"/>
+          <a:ext cx="0" cy="0"/>
+          <a:chOff x="0" y="0"/>
+          <a:chExt cx="0" cy="0"/>
+        </a:xfrm>
+      </p:grpSpPr>
+      <p:sp>
+        <p:nvSpPr>
+          <p:cNvPr id="2" name="Title 1">
+            <a:extLst>
+              <a:ext uri="{FF2B5EF4-FFF2-40B4-BE49-F238E27FC236}">
+                <a16:creationId xmlns:a16="http://schemas.microsoft.com/office/drawing/2014/main" id="{9BF2EC7A-4F36-FE35-0CD9-57A38AA8F98D}"/>
+              </a:ext>
+            </a:extLst>
+          </p:cNvPr>
+          <p:cNvSpPr>
+            <a:spLocks noGrp="1"/>
+          </p:cNvSpPr>
+          <p:nvPr>
+            <p:ph type="title"/>
+          </p:nvPr>
+        </p:nvSpPr>
+        <p:spPr>
+          <a:xfrm>
+            <a:off x="3730487" y="2766218"/>
+            <a:ext cx="10515600" cy="1325563"/>
+          </a:xfrm>
+        </p:spPr>
+        <p:txBody>
+          <a:bodyPr/>
+          <a:lstStyle/>
+          <a:p>
+            <a:r>
+              <a:rPr lang="en-IT" dirty="0"/>
+              <a:t>Metodo delle forze</a:t>
+            </a:r>
+          </a:p>
+        </p:txBody>
+      </p:sp>
+    </p:spTree>
+    <p:extLst>
+      <p:ext uri="{BB962C8B-B14F-4D97-AF65-F5344CB8AC3E}">
+        <p14:creationId xmlns:p14="http://schemas.microsoft.com/office/powerpoint/2010/main" val="31385545"/>
+      </p:ext>
+    </p:extLst>
+  </p:cSld>
+  <p:clrMapOvr>
+    <a:masterClrMapping/>
+  </p:clrMapOvr>
+</p:sld>
+</file>
+
+<file path=ppt/slides/slide18.xml><?xml version="1.0" encoding="utf-8"?>
+<p:sld xmlns:a="http://schemas.openxmlformats.org/drawingml/2006/main" xmlns:r="http://schemas.openxmlformats.org/officeDocument/2006/relationships" xmlns:p="http://schemas.openxmlformats.org/presentationml/2006/main">
+  <p:cSld>
+    <p:spTree>
+      <p:nvGrpSpPr>
+        <p:cNvPr id="1" name=""/>
+        <p:cNvGrpSpPr/>
+        <p:nvPr/>
+      </p:nvGrpSpPr>
+      <p:grpSpPr>
+        <a:xfrm>
+          <a:off x="0" y="0"/>
+          <a:ext cx="0" cy="0"/>
+          <a:chOff x="0" y="0"/>
+          <a:chExt cx="0" cy="0"/>
+        </a:xfrm>
+      </p:grpSpPr>
+      <p:sp>
+        <p:nvSpPr>
+          <p:cNvPr id="2" name="Title 1">
+            <a:extLst>
+              <a:ext uri="{FF2B5EF4-FFF2-40B4-BE49-F238E27FC236}">
+                <a16:creationId xmlns:a16="http://schemas.microsoft.com/office/drawing/2014/main" id="{C7D1F9FC-9FC0-B735-4E26-1912AED064F2}"/>
+              </a:ext>
+            </a:extLst>
+          </p:cNvPr>
+          <p:cNvSpPr>
+            <a:spLocks noGrp="1"/>
+          </p:cNvSpPr>
+          <p:nvPr>
+            <p:ph type="title"/>
+          </p:nvPr>
+        </p:nvSpPr>
+        <p:spPr/>
+        <p:txBody>
+          <a:bodyPr/>
+          <a:lstStyle/>
+          <a:p>
+            <a:endParaRPr lang="en-IT"/>
+          </a:p>
+        </p:txBody>
+      </p:sp>
+      <p:sp>
+        <p:nvSpPr>
+          <p:cNvPr id="3" name="Content Placeholder 2">
+            <a:extLst>
+              <a:ext uri="{FF2B5EF4-FFF2-40B4-BE49-F238E27FC236}">
+                <a16:creationId xmlns:a16="http://schemas.microsoft.com/office/drawing/2014/main" id="{1E388F51-7C86-5D01-784F-1975948A15B2}"/>
+              </a:ext>
+            </a:extLst>
+          </p:cNvPr>
+          <p:cNvSpPr>
+            <a:spLocks noGrp="1"/>
+          </p:cNvSpPr>
+          <p:nvPr>
+            <p:ph idx="1"/>
+          </p:nvPr>
+        </p:nvSpPr>
+        <p:spPr/>
+        <p:txBody>
+          <a:bodyPr/>
+          <a:lstStyle/>
+          <a:p>
+            <a:r>
+              <a:rPr lang="en-IT" dirty="0"/>
+              <a:t>L’idea del metodo delle forze e` la seguente: si rimuovono dei vincoli in modo da rendere la struttura staticamente determinata.</a:t>
+            </a:r>
+          </a:p>
+          <a:p>
+            <a:r>
+              <a:rPr lang="en-IT" dirty="0"/>
+              <a:t>Si calcola lo spostamento in funzione delle reazioni incognite, e si impongono le condizioni di vincolo, ottenendo tante equazioni di congruenza quante solo le reazioni incognite.</a:t>
+            </a:r>
+          </a:p>
+        </p:txBody>
+      </p:sp>
+    </p:spTree>
+    <p:extLst>
+      <p:ext uri="{BB962C8B-B14F-4D97-AF65-F5344CB8AC3E}">
+        <p14:creationId xmlns:p14="http://schemas.microsoft.com/office/powerpoint/2010/main" val="84568508"/>
+      </p:ext>
+    </p:extLst>
+  </p:cSld>
+  <p:clrMapOvr>
+    <a:masterClrMapping/>
+  </p:clrMapOvr>
+</p:sld>
+</file>
+
+<file path=ppt/slides/slide19.xml><?xml version="1.0" encoding="utf-8"?>
+<p:sld xmlns:a="http://schemas.openxmlformats.org/drawingml/2006/main" xmlns:r="http://schemas.openxmlformats.org/officeDocument/2006/relationships" xmlns:p="http://schemas.openxmlformats.org/presentationml/2006/main">
+  <p:cSld>
+    <p:spTree>
+      <p:nvGrpSpPr>
+        <p:cNvPr id="1" name=""/>
+        <p:cNvGrpSpPr/>
+        <p:nvPr/>
+      </p:nvGrpSpPr>
+      <p:grpSpPr>
+        <a:xfrm>
+          <a:off x="0" y="0"/>
+          <a:ext cx="0" cy="0"/>
+          <a:chOff x="0" y="0"/>
+          <a:chExt cx="0" cy="0"/>
+        </a:xfrm>
+      </p:grpSpPr>
+      <p:sp>
+        <p:nvSpPr>
+          <p:cNvPr id="2" name="Title 1">
+            <a:extLst>
+              <a:ext uri="{FF2B5EF4-FFF2-40B4-BE49-F238E27FC236}">
+                <a16:creationId xmlns:a16="http://schemas.microsoft.com/office/drawing/2014/main" id="{AF4D0CE0-9E9E-0FAF-4F5B-4C5BC2AB9AB5}"/>
+              </a:ext>
+            </a:extLst>
+          </p:cNvPr>
+          <p:cNvSpPr>
+            <a:spLocks noGrp="1"/>
+          </p:cNvSpPr>
+          <p:nvPr>
+            <p:ph type="title"/>
+          </p:nvPr>
+        </p:nvSpPr>
+        <p:spPr/>
+        <p:txBody>
+          <a:bodyPr/>
+          <a:lstStyle/>
+          <a:p>
+            <a:r>
+              <a:rPr lang="en-IT" dirty="0"/>
+              <a:t>Esempio</a:t>
+            </a:r>
+          </a:p>
+        </p:txBody>
+      </p:sp>
+      <p:pic>
+        <p:nvPicPr>
+          <p:cNvPr id="4" name="Picture 3">
+            <a:extLst>
+              <a:ext uri="{FF2B5EF4-FFF2-40B4-BE49-F238E27FC236}">
+                <a16:creationId xmlns:a16="http://schemas.microsoft.com/office/drawing/2014/main" id="{CF7A4968-0746-3214-838C-2122D46054DB}"/>
+              </a:ext>
+            </a:extLst>
+          </p:cNvPr>
+          <p:cNvPicPr>
+            <a:picLocks noChangeAspect="1"/>
+          </p:cNvPicPr>
+          <p:nvPr/>
+        </p:nvPicPr>
+        <p:blipFill>
+          <a:blip r:embed="rId2"/>
+          <a:stretch>
+            <a:fillRect/>
+          </a:stretch>
+        </p:blipFill>
+        <p:spPr>
+          <a:xfrm>
+            <a:off x="3327400" y="1892300"/>
+            <a:ext cx="5537200" cy="3073400"/>
+          </a:xfrm>
+          <a:prstGeom prst="rect">
+            <a:avLst/>
+          </a:prstGeom>
+        </p:spPr>
+      </p:pic>
+    </p:spTree>
+    <p:extLst>
+      <p:ext uri="{BB962C8B-B14F-4D97-AF65-F5344CB8AC3E}">
+        <p14:creationId xmlns:p14="http://schemas.microsoft.com/office/powerpoint/2010/main" val="934869594"/>
+      </p:ext>
+    </p:extLst>
+  </p:cSld>
+  <p:clrMapOvr>
+    <a:masterClrMapping/>
+  </p:clrMapOvr>
+</p:sld>
+</file>
+
+<file path=ppt/slides/slide2.xml><?xml version="1.0" encoding="utf-8"?>
+<p:sld xmlns:a="http://schemas.openxmlformats.org/drawingml/2006/main" xmlns:r="http://schemas.openxmlformats.org/officeDocument/2006/relationships" xmlns:p="http://schemas.openxmlformats.org/presentationml/2006/main">
+  <p:cSld>
+    <p:spTree>
+      <p:nvGrpSpPr>
+        <p:cNvPr id="1" name=""/>
+        <p:cNvGrpSpPr/>
+        <p:nvPr/>
+      </p:nvGrpSpPr>
+      <p:grpSpPr>
+        <a:xfrm>
+          <a:off x="0" y="0"/>
+          <a:ext cx="0" cy="0"/>
+          <a:chOff x="0" y="0"/>
+          <a:chExt cx="0" cy="0"/>
+        </a:xfrm>
+      </p:grpSpPr>
+      <p:sp>
+        <p:nvSpPr>
+          <p:cNvPr id="2" name="Title 1">
+            <a:extLst>
+              <a:ext uri="{FF2B5EF4-FFF2-40B4-BE49-F238E27FC236}">
+                <a16:creationId xmlns:a16="http://schemas.microsoft.com/office/drawing/2014/main" id="{433A2E80-1579-1A2A-4746-D67328F2986F}"/>
+              </a:ext>
+            </a:extLst>
+          </p:cNvPr>
+          <p:cNvSpPr>
+            <a:spLocks noGrp="1"/>
+          </p:cNvSpPr>
+          <p:nvPr>
+            <p:ph type="title"/>
+          </p:nvPr>
+        </p:nvSpPr>
+        <p:spPr/>
+        <p:txBody>
+          <a:bodyPr/>
+          <a:lstStyle/>
+          <a:p>
+            <a:r>
+              <a:rPr lang="en-IT" dirty="0"/>
+              <a:t>S</a:t>
+            </a:r>
+            <a:r>
+              <a:rPr lang="en-GB" dirty="0" err="1"/>
+              <a:t>i</a:t>
+            </a:r>
+            <a:r>
+              <a:rPr lang="en-IT" dirty="0"/>
+              <a:t>stema di riferimento</a:t>
+            </a:r>
+          </a:p>
+        </p:txBody>
+      </p:sp>
+      <p:sp>
+        <p:nvSpPr>
+          <p:cNvPr id="3" name="Content Placeholder 2">
+            <a:extLst>
+              <a:ext uri="{FF2B5EF4-FFF2-40B4-BE49-F238E27FC236}">
+                <a16:creationId xmlns:a16="http://schemas.microsoft.com/office/drawing/2014/main" id="{50EAB338-B42A-CDFC-D5BA-43C8067EDEEE}"/>
+              </a:ext>
+            </a:extLst>
+          </p:cNvPr>
+          <p:cNvSpPr>
+            <a:spLocks noGrp="1"/>
+          </p:cNvSpPr>
+          <p:nvPr>
+            <p:ph idx="1"/>
+          </p:nvPr>
+        </p:nvSpPr>
+        <p:spPr/>
+        <p:txBody>
+          <a:bodyPr/>
+          <a:lstStyle/>
+          <a:p>
+            <a:r>
+              <a:rPr lang="en-IT" dirty="0"/>
+              <a:t>Consideriamo le deformazioni flessionali di travi la cui sezione abbia un asse di simmetria</a:t>
+            </a:r>
+          </a:p>
+        </p:txBody>
+      </p:sp>
+      <p:pic>
+        <p:nvPicPr>
+          <p:cNvPr id="4" name="Picture 3">
+            <a:extLst>
+              <a:ext uri="{FF2B5EF4-FFF2-40B4-BE49-F238E27FC236}">
+                <a16:creationId xmlns:a16="http://schemas.microsoft.com/office/drawing/2014/main" id="{104DA60F-403F-741B-1609-766E7FDA8A12}"/>
+              </a:ext>
+            </a:extLst>
+          </p:cNvPr>
+          <p:cNvPicPr>
+            <a:picLocks noChangeAspect="1"/>
+          </p:cNvPicPr>
+          <p:nvPr/>
+        </p:nvPicPr>
+        <p:blipFill>
+          <a:blip r:embed="rId2"/>
+          <a:stretch>
+            <a:fillRect/>
+          </a:stretch>
+        </p:blipFill>
+        <p:spPr>
+          <a:xfrm>
+            <a:off x="3570080" y="2862469"/>
+            <a:ext cx="4560129" cy="3021435"/>
+          </a:xfrm>
+          <a:prstGeom prst="rect">
+            <a:avLst/>
+          </a:prstGeom>
+        </p:spPr>
+      </p:pic>
+    </p:spTree>
+    <p:extLst>
+      <p:ext uri="{BB962C8B-B14F-4D97-AF65-F5344CB8AC3E}">
+        <p14:creationId xmlns:p14="http://schemas.microsoft.com/office/powerpoint/2010/main" val="1923152961"/>
+      </p:ext>
+    </p:extLst>
+  </p:cSld>
+  <p:clrMapOvr>
+    <a:masterClrMapping/>
+  </p:clrMapOvr>
+</p:sld>
+</file>
+
+<file path=ppt/slides/slide20.xml><?xml version="1.0" encoding="utf-8"?>
+<p:sld xmlns:a="http://schemas.openxmlformats.org/drawingml/2006/main" xmlns:r="http://schemas.openxmlformats.org/officeDocument/2006/relationships" xmlns:p="http://schemas.openxmlformats.org/presentationml/2006/main">
+  <p:cSld>
+    <p:spTree>
+      <p:nvGrpSpPr>
+        <p:cNvPr id="1" name=""/>
+        <p:cNvGrpSpPr/>
+        <p:nvPr/>
+      </p:nvGrpSpPr>
+      <p:grpSpPr>
+        <a:xfrm>
+          <a:off x="0" y="0"/>
+          <a:ext cx="0" cy="0"/>
+          <a:chOff x="0" y="0"/>
+          <a:chExt cx="0" cy="0"/>
+        </a:xfrm>
+      </p:grpSpPr>
+      <p:sp>
+        <p:nvSpPr>
+          <p:cNvPr id="2" name="Title 1">
+            <a:extLst>
+              <a:ext uri="{FF2B5EF4-FFF2-40B4-BE49-F238E27FC236}">
+                <a16:creationId xmlns:a16="http://schemas.microsoft.com/office/drawing/2014/main" id="{9BF2EC7A-4F36-FE35-0CD9-57A38AA8F98D}"/>
+              </a:ext>
+            </a:extLst>
+          </p:cNvPr>
+          <p:cNvSpPr>
+            <a:spLocks noGrp="1"/>
+          </p:cNvSpPr>
+          <p:nvPr>
+            <p:ph type="title"/>
+          </p:nvPr>
+        </p:nvSpPr>
+        <p:spPr>
+          <a:xfrm>
+            <a:off x="3104321" y="2766218"/>
+            <a:ext cx="10515600" cy="1325563"/>
+          </a:xfrm>
+        </p:spPr>
+        <p:txBody>
+          <a:bodyPr/>
+          <a:lstStyle/>
+          <a:p>
+            <a:r>
+              <a:rPr lang="en-IT" dirty="0"/>
+              <a:t>Metodo degli spostamenti</a:t>
+            </a:r>
+          </a:p>
+        </p:txBody>
+      </p:sp>
+    </p:spTree>
+    <p:extLst>
+      <p:ext uri="{BB962C8B-B14F-4D97-AF65-F5344CB8AC3E}">
+        <p14:creationId xmlns:p14="http://schemas.microsoft.com/office/powerpoint/2010/main" val="162173743"/>
+      </p:ext>
+    </p:extLst>
+  </p:cSld>
+  <p:clrMapOvr>
+    <a:masterClrMapping/>
+  </p:clrMapOvr>
+</p:sld>
+</file>
+
+<file path=ppt/slides/slide21.xml><?xml version="1.0" encoding="utf-8"?>
+<p:sld xmlns:a="http://schemas.openxmlformats.org/drawingml/2006/main" xmlns:r="http://schemas.openxmlformats.org/officeDocument/2006/relationships" xmlns:p="http://schemas.openxmlformats.org/presentationml/2006/main">
+  <p:cSld>
+    <p:spTree>
+      <p:nvGrpSpPr>
+        <p:cNvPr id="1" name=""/>
+        <p:cNvGrpSpPr/>
+        <p:nvPr/>
+      </p:nvGrpSpPr>
+      <p:grpSpPr>
+        <a:xfrm>
+          <a:off x="0" y="0"/>
+          <a:ext cx="0" cy="0"/>
+          <a:chOff x="0" y="0"/>
+          <a:chExt cx="0" cy="0"/>
+        </a:xfrm>
+      </p:grpSpPr>
+      <p:sp>
+        <p:nvSpPr>
+          <p:cNvPr id="2" name="Title 1">
+            <a:extLst>
+              <a:ext uri="{FF2B5EF4-FFF2-40B4-BE49-F238E27FC236}">
                 <a16:creationId xmlns:a16="http://schemas.microsoft.com/office/drawing/2014/main" id="{A6E69EEE-77CA-1A68-FC6B-F11DAACAB52D}"/>
               </a:ext>
             </a:extLst>
@@ -3729,7 +4630,7 @@
 </p:sld>
 </file>
 
-<file path=ppt/slides/slide13.xml><?xml version="1.0" encoding="utf-8"?>
+<file path=ppt/slides/slide22.xml><?xml version="1.0" encoding="utf-8"?>
 <p:sld xmlns:a="http://schemas.openxmlformats.org/drawingml/2006/main" xmlns:r="http://schemas.openxmlformats.org/officeDocument/2006/relationships" xmlns:p="http://schemas.openxmlformats.org/presentationml/2006/main">
   <p:cSld>
     <p:spTree>
@@ -3804,10 +4705,10 @@
       </p:sp>
       <p:pic>
         <p:nvPicPr>
-          <p:cNvPr id="5" name="Picture 4" descr="\documentclass{article}&#10;\usepackage{amsmath,bbm,mathrsfs}&#10;\setlength\parindent{0em}&#10;\usepackage{geometry}&#10;\geometry{textwidth=10cm}&#10;\setlength\parskip{1em}&#10;\pagestyle{empty}&#10;\begin{document}&#10;&#10;$$&#10;\frac{d^2}{dx^2}\Big(EI\frac{d^2v}{dx^2}\Big)=-p.&#10;$$&#10;&#10;&#10;\end{document}" title="IguanaTex Bitmap Display">
-            <a:extLst>
-              <a:ext uri="{FF2B5EF4-FFF2-40B4-BE49-F238E27FC236}">
-                <a16:creationId xmlns:a16="http://schemas.microsoft.com/office/drawing/2014/main" id="{A94930D1-B6AF-49BE-663E-28973AA6155A}"/>
+          <p:cNvPr id="6" name="Picture 5" descr="\documentclass{article}&#10;\usepackage{amsmath,bbm,mathrsfs}&#10;\setlength\parindent{0em}&#10;\usepackage{geometry}&#10;\geometry{textwidth=10cm}&#10;\setlength\parskip{1em}&#10;\pagestyle{empty}&#10;\begin{document}&#10;&#10;$$&#10;\frac{d^2}{dx^2}\Big(EI\frac{d^2v}{dx^2}\Big)=p.&#10;$$&#10;&#10;&#10;\end{document}" title="IguanaTex Bitmap Display">
+            <a:extLst>
+              <a:ext uri="{FF2B5EF4-FFF2-40B4-BE49-F238E27FC236}">
+                <a16:creationId xmlns:a16="http://schemas.microsoft.com/office/drawing/2014/main" id="{DBCD8440-CDA5-0475-92FA-9AA92A169309}"/>
               </a:ext>
             </a:extLst>
           </p:cNvPr>
@@ -3829,7 +4730,7 @@
         <p:spPr>
           <a:xfrm>
             <a:off x="1108765" y="2870200"/>
-            <a:ext cx="2235200" cy="558800"/>
+            <a:ext cx="2032000" cy="558800"/>
           </a:xfrm>
           <a:prstGeom prst="rect">
             <a:avLst/>
@@ -3849,7 +4750,7 @@
 </p:sld>
 </file>
 
-<file path=ppt/slides/slide2.xml><?xml version="1.0" encoding="utf-8"?>
+<file path=ppt/slides/slide23.xml><?xml version="1.0" encoding="utf-8"?>
 <p:sld xmlns:a="http://schemas.openxmlformats.org/drawingml/2006/main" xmlns:r="http://schemas.openxmlformats.org/officeDocument/2006/relationships" xmlns:p="http://schemas.openxmlformats.org/presentationml/2006/main">
   <p:cSld>
     <p:spTree>
@@ -3871,7 +4772,7 @@
           <p:cNvPr id="2" name="Title 1">
             <a:extLst>
               <a:ext uri="{FF2B5EF4-FFF2-40B4-BE49-F238E27FC236}">
-                <a16:creationId xmlns:a16="http://schemas.microsoft.com/office/drawing/2014/main" id="{433A2E80-1579-1A2A-4746-D67328F2986F}"/>
+                <a16:creationId xmlns:a16="http://schemas.microsoft.com/office/drawing/2014/main" id="{33FAB168-60B4-1824-F2BD-DA3186ED8573}"/>
               </a:ext>
             </a:extLst>
           </p:cNvPr>
@@ -3889,43 +4790,7 @@
           <a:p>
             <a:r>
               <a:rPr lang="en-IT" dirty="0"/>
-              <a:t>S</a:t>
-            </a:r>
-            <a:r>
-              <a:rPr lang="en-GB" dirty="0" err="1"/>
-              <a:t>i</a:t>
-            </a:r>
-            <a:r>
-              <a:rPr lang="en-IT" dirty="0"/>
-              <a:t>stema di riferimento</a:t>
-            </a:r>
-          </a:p>
-        </p:txBody>
-      </p:sp>
-      <p:sp>
-        <p:nvSpPr>
-          <p:cNvPr id="3" name="Content Placeholder 2">
-            <a:extLst>
-              <a:ext uri="{FF2B5EF4-FFF2-40B4-BE49-F238E27FC236}">
-                <a16:creationId xmlns:a16="http://schemas.microsoft.com/office/drawing/2014/main" id="{50EAB338-B42A-CDFC-D5BA-43C8067EDEEE}"/>
-              </a:ext>
-            </a:extLst>
-          </p:cNvPr>
-          <p:cNvSpPr>
-            <a:spLocks noGrp="1"/>
-          </p:cNvSpPr>
-          <p:nvPr>
-            <p:ph idx="1"/>
-          </p:nvPr>
-        </p:nvSpPr>
-        <p:spPr/>
-        <p:txBody>
-          <a:bodyPr/>
-          <a:lstStyle/>
-          <a:p>
-            <a:r>
-              <a:rPr lang="en-IT" dirty="0"/>
-              <a:t>Consideriamo le deformazioni flessionali di travi la cui sezione abbia un asse di simmetria</a:t>
+              <a:t>Esempio</a:t>
             </a:r>
           </a:p>
         </p:txBody>
@@ -3935,7 +4800,7 @@
           <p:cNvPr id="4" name="Picture 3">
             <a:extLst>
               <a:ext uri="{FF2B5EF4-FFF2-40B4-BE49-F238E27FC236}">
-                <a16:creationId xmlns:a16="http://schemas.microsoft.com/office/drawing/2014/main" id="{104DA60F-403F-741B-1609-766E7FDA8A12}"/>
+                <a16:creationId xmlns:a16="http://schemas.microsoft.com/office/drawing/2014/main" id="{B56A4E0A-2556-4CFD-FAB8-43A9187DF317}"/>
               </a:ext>
             </a:extLst>
           </p:cNvPr>
@@ -3952,8 +4817,8 @@
         </p:blipFill>
         <p:spPr>
           <a:xfrm>
-            <a:off x="3570080" y="2862469"/>
-            <a:ext cx="4560129" cy="3021435"/>
+            <a:off x="3327400" y="1892300"/>
+            <a:ext cx="5537200" cy="3073400"/>
           </a:xfrm>
           <a:prstGeom prst="rect">
             <a:avLst/>
@@ -3963,7 +4828,316 @@
     </p:spTree>
     <p:extLst>
       <p:ext uri="{BB962C8B-B14F-4D97-AF65-F5344CB8AC3E}">
-        <p14:creationId xmlns:p14="http://schemas.microsoft.com/office/powerpoint/2010/main" val="1923152961"/>
+        <p14:creationId xmlns:p14="http://schemas.microsoft.com/office/powerpoint/2010/main" val="968204347"/>
+      </p:ext>
+    </p:extLst>
+  </p:cSld>
+  <p:clrMapOvr>
+    <a:masterClrMapping/>
+  </p:clrMapOvr>
+</p:sld>
+</file>
+
+<file path=ppt/slides/slide24.xml><?xml version="1.0" encoding="utf-8"?>
+<p:sld xmlns:a="http://schemas.openxmlformats.org/drawingml/2006/main" xmlns:r="http://schemas.openxmlformats.org/officeDocument/2006/relationships" xmlns:p="http://schemas.openxmlformats.org/presentationml/2006/main">
+  <p:cSld>
+    <p:spTree>
+      <p:nvGrpSpPr>
+        <p:cNvPr id="1" name=""/>
+        <p:cNvGrpSpPr/>
+        <p:nvPr/>
+      </p:nvGrpSpPr>
+      <p:grpSpPr>
+        <a:xfrm>
+          <a:off x="0" y="0"/>
+          <a:ext cx="0" cy="0"/>
+          <a:chOff x="0" y="0"/>
+          <a:chExt cx="0" cy="0"/>
+        </a:xfrm>
+      </p:grpSpPr>
+      <p:sp>
+        <p:nvSpPr>
+          <p:cNvPr id="2" name="Title 1">
+            <a:extLst>
+              <a:ext uri="{FF2B5EF4-FFF2-40B4-BE49-F238E27FC236}">
+                <a16:creationId xmlns:a16="http://schemas.microsoft.com/office/drawing/2014/main" id="{C88E2E64-BADA-23C0-CB30-64FF905C0C5F}"/>
+              </a:ext>
+            </a:extLst>
+          </p:cNvPr>
+          <p:cNvSpPr>
+            <a:spLocks noGrp="1"/>
+          </p:cNvSpPr>
+          <p:nvPr>
+            <p:ph type="title"/>
+          </p:nvPr>
+        </p:nvSpPr>
+        <p:spPr/>
+        <p:txBody>
+          <a:bodyPr/>
+          <a:lstStyle/>
+          <a:p>
+            <a:r>
+              <a:rPr lang="en-IT" dirty="0"/>
+              <a:t>Esempio</a:t>
+            </a:r>
+          </a:p>
+        </p:txBody>
+      </p:sp>
+      <p:pic>
+        <p:nvPicPr>
+          <p:cNvPr id="4" name="Picture 3">
+            <a:extLst>
+              <a:ext uri="{FF2B5EF4-FFF2-40B4-BE49-F238E27FC236}">
+                <a16:creationId xmlns:a16="http://schemas.microsoft.com/office/drawing/2014/main" id="{DE33598E-0B47-F3C0-7006-C1F3CB9669F0}"/>
+              </a:ext>
+            </a:extLst>
+          </p:cNvPr>
+          <p:cNvPicPr>
+            <a:picLocks noChangeAspect="1"/>
+          </p:cNvPicPr>
+          <p:nvPr/>
+        </p:nvPicPr>
+        <p:blipFill>
+          <a:blip r:embed="rId2"/>
+          <a:stretch>
+            <a:fillRect/>
+          </a:stretch>
+        </p:blipFill>
+        <p:spPr>
+          <a:xfrm>
+            <a:off x="2387600" y="1987550"/>
+            <a:ext cx="7416800" cy="2882900"/>
+          </a:xfrm>
+          <a:prstGeom prst="rect">
+            <a:avLst/>
+          </a:prstGeom>
+        </p:spPr>
+      </p:pic>
+    </p:spTree>
+    <p:extLst>
+      <p:ext uri="{BB962C8B-B14F-4D97-AF65-F5344CB8AC3E}">
+        <p14:creationId xmlns:p14="http://schemas.microsoft.com/office/powerpoint/2010/main" val="2913138588"/>
+      </p:ext>
+    </p:extLst>
+  </p:cSld>
+  <p:clrMapOvr>
+    <a:masterClrMapping/>
+  </p:clrMapOvr>
+</p:sld>
+</file>
+
+<file path=ppt/slides/slide25.xml><?xml version="1.0" encoding="utf-8"?>
+<p:sld xmlns:a="http://schemas.openxmlformats.org/drawingml/2006/main" xmlns:r="http://schemas.openxmlformats.org/officeDocument/2006/relationships" xmlns:p="http://schemas.openxmlformats.org/presentationml/2006/main">
+  <p:cSld>
+    <p:spTree>
+      <p:nvGrpSpPr>
+        <p:cNvPr id="1" name=""/>
+        <p:cNvGrpSpPr/>
+        <p:nvPr/>
+      </p:nvGrpSpPr>
+      <p:grpSpPr>
+        <a:xfrm>
+          <a:off x="0" y="0"/>
+          <a:ext cx="0" cy="0"/>
+          <a:chOff x="0" y="0"/>
+          <a:chExt cx="0" cy="0"/>
+        </a:xfrm>
+      </p:grpSpPr>
+      <p:sp>
+        <p:nvSpPr>
+          <p:cNvPr id="2" name="Title 1">
+            <a:extLst>
+              <a:ext uri="{FF2B5EF4-FFF2-40B4-BE49-F238E27FC236}">
+                <a16:creationId xmlns:a16="http://schemas.microsoft.com/office/drawing/2014/main" id="{D26F3343-CA21-31F0-F13D-5A970E071748}"/>
+              </a:ext>
+            </a:extLst>
+          </p:cNvPr>
+          <p:cNvSpPr>
+            <a:spLocks noGrp="1"/>
+          </p:cNvSpPr>
+          <p:nvPr>
+            <p:ph type="title"/>
+          </p:nvPr>
+        </p:nvSpPr>
+        <p:spPr/>
+        <p:txBody>
+          <a:bodyPr/>
+          <a:lstStyle/>
+          <a:p>
+            <a:r>
+              <a:rPr lang="en-IT" dirty="0"/>
+              <a:t>Esempio</a:t>
+            </a:r>
+          </a:p>
+        </p:txBody>
+      </p:sp>
+      <p:pic>
+        <p:nvPicPr>
+          <p:cNvPr id="4" name="Content Placeholder 3">
+            <a:extLst>
+              <a:ext uri="{FF2B5EF4-FFF2-40B4-BE49-F238E27FC236}">
+                <a16:creationId xmlns:a16="http://schemas.microsoft.com/office/drawing/2014/main" id="{49C098E3-7172-FDA3-AFDA-0412CFA5099B}"/>
+              </a:ext>
+            </a:extLst>
+          </p:cNvPr>
+          <p:cNvPicPr>
+            <a:picLocks noGrp="1" noChangeAspect="1"/>
+          </p:cNvPicPr>
+          <p:nvPr>
+            <p:ph idx="1"/>
+          </p:nvPr>
+        </p:nvPicPr>
+        <p:blipFill>
+          <a:blip r:embed="rId2"/>
+          <a:stretch>
+            <a:fillRect/>
+          </a:stretch>
+        </p:blipFill>
+        <p:spPr>
+          <a:xfrm>
+            <a:off x="4308337" y="2267192"/>
+            <a:ext cx="2959100" cy="3289300"/>
+          </a:xfrm>
+          <a:prstGeom prst="rect">
+            <a:avLst/>
+          </a:prstGeom>
+        </p:spPr>
+      </p:pic>
+    </p:spTree>
+    <p:extLst>
+      <p:ext uri="{BB962C8B-B14F-4D97-AF65-F5344CB8AC3E}">
+        <p14:creationId xmlns:p14="http://schemas.microsoft.com/office/powerpoint/2010/main" val="712841391"/>
+      </p:ext>
+    </p:extLst>
+  </p:cSld>
+  <p:clrMapOvr>
+    <a:masterClrMapping/>
+  </p:clrMapOvr>
+</p:sld>
+</file>
+
+<file path=ppt/slides/slide26.xml><?xml version="1.0" encoding="utf-8"?>
+<p:sld xmlns:a="http://schemas.openxmlformats.org/drawingml/2006/main" xmlns:r="http://schemas.openxmlformats.org/officeDocument/2006/relationships" xmlns:p="http://schemas.openxmlformats.org/presentationml/2006/main">
+  <p:cSld>
+    <p:spTree>
+      <p:nvGrpSpPr>
+        <p:cNvPr id="1" name=""/>
+        <p:cNvGrpSpPr/>
+        <p:nvPr/>
+      </p:nvGrpSpPr>
+      <p:grpSpPr>
+        <a:xfrm>
+          <a:off x="0" y="0"/>
+          <a:ext cx="0" cy="0"/>
+          <a:chOff x="0" y="0"/>
+          <a:chExt cx="0" cy="0"/>
+        </a:xfrm>
+      </p:grpSpPr>
+      <p:sp>
+        <p:nvSpPr>
+          <p:cNvPr id="2" name="Title 1">
+            <a:extLst>
+              <a:ext uri="{FF2B5EF4-FFF2-40B4-BE49-F238E27FC236}">
+                <a16:creationId xmlns:a16="http://schemas.microsoft.com/office/drawing/2014/main" id="{2968A0B5-DA78-A6EC-9D13-AD4A826E0E6D}"/>
+              </a:ext>
+            </a:extLst>
+          </p:cNvPr>
+          <p:cNvSpPr>
+            <a:spLocks noGrp="1"/>
+          </p:cNvSpPr>
+          <p:nvPr>
+            <p:ph type="title"/>
+          </p:nvPr>
+        </p:nvSpPr>
+        <p:spPr>
+          <a:xfrm>
+            <a:off x="758687" y="12803"/>
+            <a:ext cx="10515600" cy="1325563"/>
+          </a:xfrm>
+        </p:spPr>
+        <p:txBody>
+          <a:bodyPr/>
+          <a:lstStyle/>
+          <a:p>
+            <a:r>
+              <a:rPr lang="en-IT" dirty="0"/>
+              <a:t>Formulazione del problema dell’equilibrio</a:t>
+            </a:r>
+          </a:p>
+        </p:txBody>
+      </p:sp>
+      <p:pic>
+        <p:nvPicPr>
+          <p:cNvPr id="5" name="Picture 4" descr="\documentclass{article}&#10;\usepackage{amsmath,bbm,mathrsfs}&#10;\setlength\parindent{0em}&#10;\usepackage{geometry}&#10;\geometry{textwidth=10cm}&#10;\setlength\parskip{1em}&#10;\pagestyle{empty}&#10;\begin{document}&#10;Data una trave, comunque vincolata e/o caricata agli estremi, soggetta a un carico distribuito $p$, lo spostamento si ottiene risolvendo l'equazione differenziale del 4o ordine con le opportune condizioni al contorno, dettate dalle condizioni di vincolo e carico.&#10;&#10;&#10;&#10;\end{document}" title="IguanaTex Bitmap Display">
+            <a:extLst>
+              <a:ext uri="{FF2B5EF4-FFF2-40B4-BE49-F238E27FC236}">
+                <a16:creationId xmlns:a16="http://schemas.microsoft.com/office/drawing/2014/main" id="{A95C3D46-B62C-4310-9BA9-36E8464C9AF2}"/>
+              </a:ext>
+            </a:extLst>
+          </p:cNvPr>
+          <p:cNvPicPr>
+            <a:picLocks noChangeAspect="1"/>
+          </p:cNvPicPr>
+          <p:nvPr>
+            <p:custDataLst>
+              <p:tags r:id="rId1"/>
+            </p:custDataLst>
+          </p:nvPr>
+        </p:nvPicPr>
+        <p:blipFill>
+          <a:blip r:embed="rId4"/>
+          <a:stretch>
+            <a:fillRect/>
+          </a:stretch>
+        </p:blipFill>
+        <p:spPr>
+          <a:xfrm>
+            <a:off x="917713" y="1282648"/>
+            <a:ext cx="7188200" cy="1168400"/>
+          </a:xfrm>
+          <a:prstGeom prst="rect">
+            <a:avLst/>
+          </a:prstGeom>
+        </p:spPr>
+      </p:pic>
+      <p:pic>
+        <p:nvPicPr>
+          <p:cNvPr id="13" name="Picture 12" descr="\documentclass{article}&#10;\usepackage{amsmath,bbm,mathrsfs}&#10;\setlength\parindent{0em}&#10;\usepackage{geometry}&#10;\geometry{textwidth=10cm}&#10;\setlength\parskip{1em}&#10;\pagestyle{empty}&#10;\begin{document}&#10;&#10;Per la mensola AB incastrata in $A$ e caricata in $B$ da una forza $P$ rivolta verso il basso&#10;$$&#10;v(0)=0,\qquad \frac{\rm d v}{dx}(0)=0,\qquad \frac{\rm d^2 v}{dx^2}(L)=0\qquad \frac{\rm d^3 v}{dx^3}(L)=\frac{P}{EI}.&#10;$$&#10;&#10;Per la trave $AB$ incastata in A, appoggiata in B, soggetta in B a una coppia $\mathcal M$&#10;$$&#10;v(0)=0,\qquad \frac{\rm d v}{dx}(0)=0,\qquad v(L)=0,\qquad \frac{\rm d^2 v}{dx^2}(L)=\frac{\mathcal M}{EI}&#10;$$&#10;&#10;\end{document}" title="IguanaTex Bitmap Display">
+            <a:extLst>
+              <a:ext uri="{FF2B5EF4-FFF2-40B4-BE49-F238E27FC236}">
+                <a16:creationId xmlns:a16="http://schemas.microsoft.com/office/drawing/2014/main" id="{EE8CB95A-66BA-AFFC-7102-D071B08BCA85}"/>
+              </a:ext>
+            </a:extLst>
+          </p:cNvPr>
+          <p:cNvPicPr>
+            <a:picLocks noChangeAspect="1"/>
+          </p:cNvPicPr>
+          <p:nvPr>
+            <p:custDataLst>
+              <p:tags r:id="rId2"/>
+            </p:custDataLst>
+          </p:nvPr>
+        </p:nvPicPr>
+        <p:blipFill>
+          <a:blip r:embed="rId5"/>
+          <a:stretch>
+            <a:fillRect/>
+          </a:stretch>
+        </p:blipFill>
+        <p:spPr>
+          <a:xfrm>
+            <a:off x="917713" y="3036957"/>
+            <a:ext cx="7188200" cy="3200400"/>
+          </a:xfrm>
+          <a:prstGeom prst="rect">
+            <a:avLst/>
+          </a:prstGeom>
+        </p:spPr>
+      </p:pic>
+    </p:spTree>
+    <p:extLst>
+      <p:ext uri="{BB962C8B-B14F-4D97-AF65-F5344CB8AC3E}">
+        <p14:creationId xmlns:p14="http://schemas.microsoft.com/office/powerpoint/2010/main" val="795680454"/>
       </p:ext>
     </p:extLst>
   </p:cSld>
@@ -4665,6 +5839,26 @@
   <p:tag name="LATEXADDIN" val="\documentclass{article}&#10;\usepackage{amsmath,bbm,mathrsfs}&#10;\setlength\parindent{0em}&#10;\usepackage{geometry}&#10;\geometry{textwidth=10cm}&#10;\setlength\parskip{1em}&#10;\pagestyle{empty}&#10;\begin{document}&#10;&#10;Consideriamo il tratto $(0,x)$ di una trave.&#10;&#10;Nel caso in cui $\sigma(y,z)$ dipenda dal punto della sezione, sappiamo dalla Meccanica Razionale che la risultante e i momenti risultanti delle forze interne che agiscono sul tratto $(0,x)$ attraverso la sezione $A(x)$ sono:&#10;$$&#10;N(x)=\int_{A(x)} \sigma(x,y,z) \underbrace{{\rm d}y{\rm d}z}_{{\rm d}A},\qquad M_z(x)=\int_{A(x)}\sigma(x,y,z) y{\rm d}y{\rm d}z,\qquad M_y(x)=-\int_{A(x)}\sigma(x,y,z) z{\rm d}y{\rm d}z.&#10;$$&#10;Osserviamo che, nel caso particolare in cui $\sigma$ non dipenda da $y$ e $z$, ma solo da $x$, allora&#10;$$&#10;N(x)=\sigma(x) A(x)&#10;$$&#10;e, dato che gli assi $y$ e $z$ sono baricentrici,&#10;$$&#10;M_y(x)=M_z(x)=0.&#10;$$&#10;&#10;&#10;&#10;\end{document}"/>
   <p:tag name="IGUANATEXSIZE" val="20"/>
   <p:tag name="IGUANATEXCURSOR" val="611"/>
+  <p:tag name="TRANSPARENCY" val="True"/>
+  <p:tag name="LATEXENGINEID" val="0"/>
+  <p:tag name="TEMPFOLDER" val="/private/var/folders/bl/qr6kzqqj6dq26b3546l3vykm0000gn/T/com.microsoft.Powerpoint/TemporaryItems/"/>
+  <p:tag name="LATEXFORMHEIGHT" val="426,65"/>
+  <p:tag name="LATEXFORMWIDTH" val="513,35"/>
+  <p:tag name="LATEXFORMWRAP" val="True"/>
+  <p:tag name="BITMAPVECTOR" val="0"/>
+</p:tagLst>
+</file>
+
+<file path=ppt/tags/tag10.xml><?xml version="1.0" encoding="utf-8"?>
+<p:tagLst xmlns:a="http://schemas.openxmlformats.org/drawingml/2006/main" xmlns:r="http://schemas.openxmlformats.org/officeDocument/2006/relationships" xmlns:p="http://schemas.openxmlformats.org/presentationml/2006/main">
+  <p:tag name="OUTPUTDPI" val="1200"/>
+  <p:tag name="ORIGINALHEIGHT" val="126"/>
+  <p:tag name="ORIGINALWIDTH" val="283"/>
+  <p:tag name="OUTPUTTYPE" val="PDF"/>
+  <p:tag name="IGUANATEXVERSION" val="160"/>
+  <p:tag name="LATEXADDIN" val="\documentclass{article}&#10;\usepackage{amsmath,bbm,mathrsfs}&#10;\setlength\parindent{0em}&#10;\usepackage{geometry}&#10;\geometry{textwidth=10cm}&#10;\setlength\parskip{1em}&#10;\pagestyle{empty}&#10;\begin{document}&#10;&#10;Per la mensola AB incastrata in $A$ e caricata in $B$ da una forza $P$ rivolta verso il basso&#10;$$&#10;v(0)=0,\qquad \frac{\rm d v}{dx}(0)=0,\qquad \frac{\rm d^2 v}{dx^2}(L)=0\qquad \frac{\rm d^3 v}{dx^3}(L)=\frac{P}{EI}.&#10;$$&#10;&#10;Per la trave $AB$ incastata in A, appoggiata in B, soggetta in B a una coppia $\mathcal M$&#10;$$&#10;v(0)=0,\qquad \frac{\rm d v}{dx}(0)=0,\qquad v(L)=0,\qquad \frac{\rm d^2 v}{dx^2}(L)=\frac{\mathcal M}{EI}&#10;$$&#10;&#10;\end{document}"/>
+  <p:tag name="IGUANATEXSIZE" val="20"/>
+  <p:tag name="IGUANATEXCURSOR" val="368"/>
   <p:tag name="TRANSPARENCY" val="True"/>
   <p:tag name="LATEXENGINEID" val="0"/>
   <p:tag name="TEMPFOLDER" val="/private/var/folders/bl/qr6kzqqj6dq26b3546l3vykm0000gn/T/com.microsoft.Powerpoint/TemporaryItems/"/>
@@ -4738,13 +5932,13 @@
 <file path=ppt/tags/tag5.xml><?xml version="1.0" encoding="utf-8"?>
 <p:tagLst xmlns:a="http://schemas.openxmlformats.org/drawingml/2006/main" xmlns:r="http://schemas.openxmlformats.org/officeDocument/2006/relationships" xmlns:p="http://schemas.openxmlformats.org/presentationml/2006/main">
   <p:tag name="OUTPUTDPI" val="1200"/>
-  <p:tag name="ORIGINALHEIGHT" val="180"/>
-  <p:tag name="ORIGINALWIDTH" val="283"/>
+  <p:tag name="ORIGINALHEIGHT" val="271"/>
+  <p:tag name="ORIGINALWIDTH" val="482"/>
   <p:tag name="OUTPUTTYPE" val="PDF"/>
   <p:tag name="IGUANATEXVERSION" val="160"/>
-  <p:tag name="LATEXADDIN" val="\documentclass{article}&#10;\usepackage{amsmath,bbm,mathrsfs}&#10;\setlength\parindent{0em}&#10;\usepackage{geometry}&#10;\geometry{textwidth=10cm}&#10;\setlength\parskip{1em}&#10;\pagestyle{empty}&#10;\begin{document}&#10;&#10;Indicando con $v(x)$ lo spostamento dell'asse neutro lungo $y$, dai corsi di analisi sappiamo che il raggio di curvatura si pu\`o approssimare con &#10;$$&#10;\frac 1 \rho =\frac{d^2 v}{dx^2},&#10;$$&#10;a patto di convenire che $\rho&lt;0$ quando la concavit\`a della trave \`e rivolta lungo $-y$.&#10;&#10;Dalla equazione costitutive (convenendo che $M=M_z$ e $I=I_z$)&#10;$$&#10;M=\frac{EI}\rho&#10;$$&#10;troviamo &#10;$$&#10;M=EI\frac{d^2 v}{dx^2}&#10;$$&#10;&#10;&#10;\end{document}"/>
+  <p:tag name="LATEXADDIN" val="\documentclass{article}&#10;\usepackage{amsmath,bbm,mathrsfs}&#10;\setlength\parindent{0em}&#10;\usepackage{geometry}&#10;\geometry{textwidth=17cm}&#10;\setlength\parskip{1em}&#10;\pagestyle{empty}&#10;\begin{document}&#10;&#10;Indicando con $v(x)$ lo spostamento dell'asse neutro lungo $y$, la pendenza del grafico della deformata \`e&#10;$$&#10;\theta=\frac{dv}{dx}.&#10;$$&#10;La curvatura del grafico \`e&#10;$$&#10;k=\frac{d\theta}{ds}&#10;$$&#10;dove $ds=\sqrt{1+\theta^2}dx$ \`e la lunghezza d'arco, con la convenzione che $k&gt;0$ quando la concavit\`a della curva \`e verso l'alto.&#10;&#10;Se $\theta$ \`e piccolo,&#10;$$&#10;\frac 1 \rho=k=\frac{d^2 v}{dx^2},&#10;$$&#10;con la convenzione che $\rho&lt;0$ quando la concavit\`a della trave \`e rivolta lungo $-y$.&#10;&#10;Dalla equazione costitutive (convenendo che $M=M_z$ e $I=I_z$)&#10;$$&#10;M=\frac{EI}\rho&#10;$$&#10;troviamo &#10;$$&#10;M=EI\frac{d^2 v}{dx^2}&#10;$$&#10;&#10;&#10;\end{document}"/>
   <p:tag name="IGUANATEXSIZE" val="20"/>
-  <p:tag name="IGUANATEXCURSOR" val="500"/>
+  <p:tag name="IGUANATEXCURSOR" val="128"/>
   <p:tag name="TRANSPARENCY" val="True"/>
   <p:tag name="LATEXENGINEID" val="0"/>
   <p:tag name="TEMPFOLDER" val="/private/var/folders/bl/qr6kzqqj6dq26b3546l3vykm0000gn/T/com.microsoft.Powerpoint/TemporaryItems/"/>
@@ -4799,12 +5993,32 @@
 <p:tagLst xmlns:a="http://schemas.openxmlformats.org/drawingml/2006/main" xmlns:r="http://schemas.openxmlformats.org/officeDocument/2006/relationships" xmlns:p="http://schemas.openxmlformats.org/presentationml/2006/main">
   <p:tag name="OUTPUTDPI" val="1200"/>
   <p:tag name="ORIGINALHEIGHT" val="22"/>
-  <p:tag name="ORIGINALWIDTH" val="88"/>
+  <p:tag name="ORIGINALWIDTH" val="80"/>
   <p:tag name="OUTPUTTYPE" val="PDF"/>
   <p:tag name="IGUANATEXVERSION" val="160"/>
-  <p:tag name="LATEXADDIN" val="\documentclass{article}&#10;\usepackage{amsmath,bbm,mathrsfs}&#10;\setlength\parindent{0em}&#10;\usepackage{geometry}&#10;\geometry{textwidth=10cm}&#10;\setlength\parskip{1em}&#10;\pagestyle{empty}&#10;\begin{document}&#10;&#10;$$&#10;\frac{d^2}{dx^2}\Big(EI\frac{d^2v}{dx^2}\Big)=-p.&#10;$$&#10;&#10;&#10;\end{document}"/>
+  <p:tag name="LATEXADDIN" val="\documentclass{article}&#10;\usepackage{amsmath,bbm,mathrsfs}&#10;\setlength\parindent{0em}&#10;\usepackage{geometry}&#10;\geometry{textwidth=10cm}&#10;\setlength\parskip{1em}&#10;\pagestyle{empty}&#10;\begin{document}&#10;&#10;$$&#10;\frac{d^2}{dx^2}\Big(EI\frac{d^2v}{dx^2}\Big)=p.&#10;$$&#10;&#10;&#10;\end{document}"/>
   <p:tag name="IGUANATEXSIZE" val="20"/>
-  <p:tag name="IGUANATEXCURSOR" val="247"/>
+  <p:tag name="IGUANATEXCURSOR" val="241"/>
+  <p:tag name="TRANSPARENCY" val="True"/>
+  <p:tag name="LATEXENGINEID" val="0"/>
+  <p:tag name="TEMPFOLDER" val="/private/var/folders/bl/qr6kzqqj6dq26b3546l3vykm0000gn/T/com.microsoft.Powerpoint/TemporaryItems/"/>
+  <p:tag name="LATEXFORMHEIGHT" val="426,65"/>
+  <p:tag name="LATEXFORMWIDTH" val="513,35"/>
+  <p:tag name="LATEXFORMWRAP" val="True"/>
+  <p:tag name="BITMAPVECTOR" val="0"/>
+</p:tagLst>
+</file>
+
+<file path=ppt/tags/tag9.xml><?xml version="1.0" encoding="utf-8"?>
+<p:tagLst xmlns:a="http://schemas.openxmlformats.org/drawingml/2006/main" xmlns:r="http://schemas.openxmlformats.org/officeDocument/2006/relationships" xmlns:p="http://schemas.openxmlformats.org/presentationml/2006/main">
+  <p:tag name="OUTPUTDPI" val="1200"/>
+  <p:tag name="ORIGINALHEIGHT" val="46"/>
+  <p:tag name="ORIGINALWIDTH" val="283"/>
+  <p:tag name="OUTPUTTYPE" val="PDF"/>
+  <p:tag name="IGUANATEXVERSION" val="160"/>
+  <p:tag name="LATEXADDIN" val="\documentclass{article}&#10;\usepackage{amsmath,bbm,mathrsfs}&#10;\setlength\parindent{0em}&#10;\usepackage{geometry}&#10;\geometry{textwidth=10cm}&#10;\setlength\parskip{1em}&#10;\pagestyle{empty}&#10;\begin{document}&#10;Data una trave, comunque vincolata e/o caricata agli estremi, soggetta a un carico distribuito $p$, lo spostamento si ottiene risolvendo l'equazione differenziale del 4o ordine con le opportune condizioni al contorno, dettate dalle condizioni di vincolo e carico.&#10;&#10;&#10;&#10;\end{document}"/>
+  <p:tag name="IGUANATEXSIZE" val="20"/>
+  <p:tag name="IGUANATEXCURSOR" val="454"/>
   <p:tag name="TRANSPARENCY" val="True"/>
   <p:tag name="LATEXENGINEID" val="0"/>
   <p:tag name="TEMPFOLDER" val="/private/var/folders/bl/qr6kzqqj6dq26b3546l3vykm0000gn/T/com.microsoft.Powerpoint/TemporaryItems/"/>

--- a/lezioni/H 10-13 deformazione nelle travi inflesse.pptx
+++ b/lezioni/H 10-13 deformazione nelle travi inflesse.pptx
@@ -28,9 +28,7 @@
     <p:sldId id="267" r:id="rId22"/>
     <p:sldId id="268" r:id="rId23"/>
     <p:sldId id="280" r:id="rId24"/>
-    <p:sldId id="281" r:id="rId25"/>
-    <p:sldId id="282" r:id="rId26"/>
-    <p:sldId id="269" r:id="rId27"/>
+    <p:sldId id="269" r:id="rId25"/>
   </p:sldIdLst>
   <p:sldSz cx="12192000" cy="6858000"/>
   <p:notesSz cx="6858000" cy="9144000"/>
@@ -286,7 +284,7 @@
           <a:p>
             <a:fld id="{5B77C197-D35B-B247-B324-7DFF9427B61F}" type="datetimeFigureOut">
               <a:rPr lang="en-IT" smtClean="0"/>
-              <a:t>26/10/23</a:t>
+              <a:t>28/10/23</a:t>
             </a:fld>
             <a:endParaRPr lang="en-IT"/>
           </a:p>
@@ -486,7 +484,7 @@
           <a:p>
             <a:fld id="{5B77C197-D35B-B247-B324-7DFF9427B61F}" type="datetimeFigureOut">
               <a:rPr lang="en-IT" smtClean="0"/>
-              <a:t>26/10/23</a:t>
+              <a:t>28/10/23</a:t>
             </a:fld>
             <a:endParaRPr lang="en-IT"/>
           </a:p>
@@ -696,7 +694,7 @@
           <a:p>
             <a:fld id="{5B77C197-D35B-B247-B324-7DFF9427B61F}" type="datetimeFigureOut">
               <a:rPr lang="en-IT" smtClean="0"/>
-              <a:t>26/10/23</a:t>
+              <a:t>28/10/23</a:t>
             </a:fld>
             <a:endParaRPr lang="en-IT"/>
           </a:p>
@@ -896,7 +894,7 @@
           <a:p>
             <a:fld id="{5B77C197-D35B-B247-B324-7DFF9427B61F}" type="datetimeFigureOut">
               <a:rPr lang="en-IT" smtClean="0"/>
-              <a:t>26/10/23</a:t>
+              <a:t>28/10/23</a:t>
             </a:fld>
             <a:endParaRPr lang="en-IT"/>
           </a:p>
@@ -1172,7 +1170,7 @@
           <a:p>
             <a:fld id="{5B77C197-D35B-B247-B324-7DFF9427B61F}" type="datetimeFigureOut">
               <a:rPr lang="en-IT" smtClean="0"/>
-              <a:t>26/10/23</a:t>
+              <a:t>28/10/23</a:t>
             </a:fld>
             <a:endParaRPr lang="en-IT"/>
           </a:p>
@@ -1440,7 +1438,7 @@
           <a:p>
             <a:fld id="{5B77C197-D35B-B247-B324-7DFF9427B61F}" type="datetimeFigureOut">
               <a:rPr lang="en-IT" smtClean="0"/>
-              <a:t>26/10/23</a:t>
+              <a:t>28/10/23</a:t>
             </a:fld>
             <a:endParaRPr lang="en-IT"/>
           </a:p>
@@ -1855,7 +1853,7 @@
           <a:p>
             <a:fld id="{5B77C197-D35B-B247-B324-7DFF9427B61F}" type="datetimeFigureOut">
               <a:rPr lang="en-IT" smtClean="0"/>
-              <a:t>26/10/23</a:t>
+              <a:t>28/10/23</a:t>
             </a:fld>
             <a:endParaRPr lang="en-IT"/>
           </a:p>
@@ -1997,7 +1995,7 @@
           <a:p>
             <a:fld id="{5B77C197-D35B-B247-B324-7DFF9427B61F}" type="datetimeFigureOut">
               <a:rPr lang="en-IT" smtClean="0"/>
-              <a:t>26/10/23</a:t>
+              <a:t>28/10/23</a:t>
             </a:fld>
             <a:endParaRPr lang="en-IT"/>
           </a:p>
@@ -2110,7 +2108,7 @@
           <a:p>
             <a:fld id="{5B77C197-D35B-B247-B324-7DFF9427B61F}" type="datetimeFigureOut">
               <a:rPr lang="en-IT" smtClean="0"/>
-              <a:t>26/10/23</a:t>
+              <a:t>28/10/23</a:t>
             </a:fld>
             <a:endParaRPr lang="en-IT"/>
           </a:p>
@@ -2423,7 +2421,7 @@
           <a:p>
             <a:fld id="{5B77C197-D35B-B247-B324-7DFF9427B61F}" type="datetimeFigureOut">
               <a:rPr lang="en-IT" smtClean="0"/>
-              <a:t>26/10/23</a:t>
+              <a:t>28/10/23</a:t>
             </a:fld>
             <a:endParaRPr lang="en-IT"/>
           </a:p>
@@ -2712,7 +2710,7 @@
           <a:p>
             <a:fld id="{5B77C197-D35B-B247-B324-7DFF9427B61F}" type="datetimeFigureOut">
               <a:rPr lang="en-IT" smtClean="0"/>
-              <a:t>26/10/23</a:t>
+              <a:t>28/10/23</a:t>
             </a:fld>
             <a:endParaRPr lang="en-IT"/>
           </a:p>
@@ -2955,7 +2953,7 @@
           <a:p>
             <a:fld id="{5B77C197-D35B-B247-B324-7DFF9427B61F}" type="datetimeFigureOut">
               <a:rPr lang="en-IT" smtClean="0"/>
-              <a:t>26/10/23</a:t>
+              <a:t>28/10/23</a:t>
             </a:fld>
             <a:endParaRPr lang="en-IT"/>
           </a:p>
@@ -4839,184 +4837,6 @@
 </file>
 
 <file path=ppt/slides/slide24.xml><?xml version="1.0" encoding="utf-8"?>
-<p:sld xmlns:a="http://schemas.openxmlformats.org/drawingml/2006/main" xmlns:r="http://schemas.openxmlformats.org/officeDocument/2006/relationships" xmlns:p="http://schemas.openxmlformats.org/presentationml/2006/main">
-  <p:cSld>
-    <p:spTree>
-      <p:nvGrpSpPr>
-        <p:cNvPr id="1" name=""/>
-        <p:cNvGrpSpPr/>
-        <p:nvPr/>
-      </p:nvGrpSpPr>
-      <p:grpSpPr>
-        <a:xfrm>
-          <a:off x="0" y="0"/>
-          <a:ext cx="0" cy="0"/>
-          <a:chOff x="0" y="0"/>
-          <a:chExt cx="0" cy="0"/>
-        </a:xfrm>
-      </p:grpSpPr>
-      <p:sp>
-        <p:nvSpPr>
-          <p:cNvPr id="2" name="Title 1">
-            <a:extLst>
-              <a:ext uri="{FF2B5EF4-FFF2-40B4-BE49-F238E27FC236}">
-                <a16:creationId xmlns:a16="http://schemas.microsoft.com/office/drawing/2014/main" id="{C88E2E64-BADA-23C0-CB30-64FF905C0C5F}"/>
-              </a:ext>
-            </a:extLst>
-          </p:cNvPr>
-          <p:cNvSpPr>
-            <a:spLocks noGrp="1"/>
-          </p:cNvSpPr>
-          <p:nvPr>
-            <p:ph type="title"/>
-          </p:nvPr>
-        </p:nvSpPr>
-        <p:spPr/>
-        <p:txBody>
-          <a:bodyPr/>
-          <a:lstStyle/>
-          <a:p>
-            <a:r>
-              <a:rPr lang="en-IT" dirty="0"/>
-              <a:t>Esempio</a:t>
-            </a:r>
-          </a:p>
-        </p:txBody>
-      </p:sp>
-      <p:pic>
-        <p:nvPicPr>
-          <p:cNvPr id="4" name="Picture 3">
-            <a:extLst>
-              <a:ext uri="{FF2B5EF4-FFF2-40B4-BE49-F238E27FC236}">
-                <a16:creationId xmlns:a16="http://schemas.microsoft.com/office/drawing/2014/main" id="{DE33598E-0B47-F3C0-7006-C1F3CB9669F0}"/>
-              </a:ext>
-            </a:extLst>
-          </p:cNvPr>
-          <p:cNvPicPr>
-            <a:picLocks noChangeAspect="1"/>
-          </p:cNvPicPr>
-          <p:nvPr/>
-        </p:nvPicPr>
-        <p:blipFill>
-          <a:blip r:embed="rId2"/>
-          <a:stretch>
-            <a:fillRect/>
-          </a:stretch>
-        </p:blipFill>
-        <p:spPr>
-          <a:xfrm>
-            <a:off x="2387600" y="1987550"/>
-            <a:ext cx="7416800" cy="2882900"/>
-          </a:xfrm>
-          <a:prstGeom prst="rect">
-            <a:avLst/>
-          </a:prstGeom>
-        </p:spPr>
-      </p:pic>
-    </p:spTree>
-    <p:extLst>
-      <p:ext uri="{BB962C8B-B14F-4D97-AF65-F5344CB8AC3E}">
-        <p14:creationId xmlns:p14="http://schemas.microsoft.com/office/powerpoint/2010/main" val="2913138588"/>
-      </p:ext>
-    </p:extLst>
-  </p:cSld>
-  <p:clrMapOvr>
-    <a:masterClrMapping/>
-  </p:clrMapOvr>
-</p:sld>
-</file>
-
-<file path=ppt/slides/slide25.xml><?xml version="1.0" encoding="utf-8"?>
-<p:sld xmlns:a="http://schemas.openxmlformats.org/drawingml/2006/main" xmlns:r="http://schemas.openxmlformats.org/officeDocument/2006/relationships" xmlns:p="http://schemas.openxmlformats.org/presentationml/2006/main">
-  <p:cSld>
-    <p:spTree>
-      <p:nvGrpSpPr>
-        <p:cNvPr id="1" name=""/>
-        <p:cNvGrpSpPr/>
-        <p:nvPr/>
-      </p:nvGrpSpPr>
-      <p:grpSpPr>
-        <a:xfrm>
-          <a:off x="0" y="0"/>
-          <a:ext cx="0" cy="0"/>
-          <a:chOff x="0" y="0"/>
-          <a:chExt cx="0" cy="0"/>
-        </a:xfrm>
-      </p:grpSpPr>
-      <p:sp>
-        <p:nvSpPr>
-          <p:cNvPr id="2" name="Title 1">
-            <a:extLst>
-              <a:ext uri="{FF2B5EF4-FFF2-40B4-BE49-F238E27FC236}">
-                <a16:creationId xmlns:a16="http://schemas.microsoft.com/office/drawing/2014/main" id="{D26F3343-CA21-31F0-F13D-5A970E071748}"/>
-              </a:ext>
-            </a:extLst>
-          </p:cNvPr>
-          <p:cNvSpPr>
-            <a:spLocks noGrp="1"/>
-          </p:cNvSpPr>
-          <p:nvPr>
-            <p:ph type="title"/>
-          </p:nvPr>
-        </p:nvSpPr>
-        <p:spPr/>
-        <p:txBody>
-          <a:bodyPr/>
-          <a:lstStyle/>
-          <a:p>
-            <a:r>
-              <a:rPr lang="en-IT" dirty="0"/>
-              <a:t>Esempio</a:t>
-            </a:r>
-          </a:p>
-        </p:txBody>
-      </p:sp>
-      <p:pic>
-        <p:nvPicPr>
-          <p:cNvPr id="4" name="Content Placeholder 3">
-            <a:extLst>
-              <a:ext uri="{FF2B5EF4-FFF2-40B4-BE49-F238E27FC236}">
-                <a16:creationId xmlns:a16="http://schemas.microsoft.com/office/drawing/2014/main" id="{49C098E3-7172-FDA3-AFDA-0412CFA5099B}"/>
-              </a:ext>
-            </a:extLst>
-          </p:cNvPr>
-          <p:cNvPicPr>
-            <a:picLocks noGrp="1" noChangeAspect="1"/>
-          </p:cNvPicPr>
-          <p:nvPr>
-            <p:ph idx="1"/>
-          </p:nvPr>
-        </p:nvPicPr>
-        <p:blipFill>
-          <a:blip r:embed="rId2"/>
-          <a:stretch>
-            <a:fillRect/>
-          </a:stretch>
-        </p:blipFill>
-        <p:spPr>
-          <a:xfrm>
-            <a:off x="4308337" y="2267192"/>
-            <a:ext cx="2959100" cy="3289300"/>
-          </a:xfrm>
-          <a:prstGeom prst="rect">
-            <a:avLst/>
-          </a:prstGeom>
-        </p:spPr>
-      </p:pic>
-    </p:spTree>
-    <p:extLst>
-      <p:ext uri="{BB962C8B-B14F-4D97-AF65-F5344CB8AC3E}">
-        <p14:creationId xmlns:p14="http://schemas.microsoft.com/office/powerpoint/2010/main" val="712841391"/>
-      </p:ext>
-    </p:extLst>
-  </p:cSld>
-  <p:clrMapOvr>
-    <a:masterClrMapping/>
-  </p:clrMapOvr>
-</p:sld>
-</file>
-
-<file path=ppt/slides/slide26.xml><?xml version="1.0" encoding="utf-8"?>
 <p:sld xmlns:a="http://schemas.openxmlformats.org/drawingml/2006/main" xmlns:r="http://schemas.openxmlformats.org/officeDocument/2006/relationships" xmlns:p="http://schemas.openxmlformats.org/presentationml/2006/main">
   <p:cSld>
     <p:spTree>

--- a/lezioni/H 10-13 deformazione nelle travi inflesse.pptx
+++ b/lezioni/H 10-13 deformazione nelle travi inflesse.pptx
@@ -18,17 +18,6 @@
     <p:sldId id="266" r:id="rId12"/>
     <p:sldId id="275" r:id="rId13"/>
     <p:sldId id="276" r:id="rId14"/>
-    <p:sldId id="278" r:id="rId15"/>
-    <p:sldId id="279" r:id="rId16"/>
-    <p:sldId id="274" r:id="rId17"/>
-    <p:sldId id="271" r:id="rId18"/>
-    <p:sldId id="277" r:id="rId19"/>
-    <p:sldId id="273" r:id="rId20"/>
-    <p:sldId id="272" r:id="rId21"/>
-    <p:sldId id="267" r:id="rId22"/>
-    <p:sldId id="268" r:id="rId23"/>
-    <p:sldId id="280" r:id="rId24"/>
-    <p:sldId id="269" r:id="rId25"/>
   </p:sldIdLst>
   <p:sldSz cx="12192000" cy="6858000"/>
   <p:notesSz cx="6858000" cy="9144000"/>
@@ -284,7 +273,7 @@
           <a:p>
             <a:fld id="{5B77C197-D35B-B247-B324-7DFF9427B61F}" type="datetimeFigureOut">
               <a:rPr lang="en-IT" smtClean="0"/>
-              <a:t>28/10/23</a:t>
+              <a:t>31/10/23</a:t>
             </a:fld>
             <a:endParaRPr lang="en-IT"/>
           </a:p>
@@ -484,7 +473,7 @@
           <a:p>
             <a:fld id="{5B77C197-D35B-B247-B324-7DFF9427B61F}" type="datetimeFigureOut">
               <a:rPr lang="en-IT" smtClean="0"/>
-              <a:t>28/10/23</a:t>
+              <a:t>31/10/23</a:t>
             </a:fld>
             <a:endParaRPr lang="en-IT"/>
           </a:p>
@@ -694,7 +683,7 @@
           <a:p>
             <a:fld id="{5B77C197-D35B-B247-B324-7DFF9427B61F}" type="datetimeFigureOut">
               <a:rPr lang="en-IT" smtClean="0"/>
-              <a:t>28/10/23</a:t>
+              <a:t>31/10/23</a:t>
             </a:fld>
             <a:endParaRPr lang="en-IT"/>
           </a:p>
@@ -894,7 +883,7 @@
           <a:p>
             <a:fld id="{5B77C197-D35B-B247-B324-7DFF9427B61F}" type="datetimeFigureOut">
               <a:rPr lang="en-IT" smtClean="0"/>
-              <a:t>28/10/23</a:t>
+              <a:t>31/10/23</a:t>
             </a:fld>
             <a:endParaRPr lang="en-IT"/>
           </a:p>
@@ -1170,7 +1159,7 @@
           <a:p>
             <a:fld id="{5B77C197-D35B-B247-B324-7DFF9427B61F}" type="datetimeFigureOut">
               <a:rPr lang="en-IT" smtClean="0"/>
-              <a:t>28/10/23</a:t>
+              <a:t>31/10/23</a:t>
             </a:fld>
             <a:endParaRPr lang="en-IT"/>
           </a:p>
@@ -1438,7 +1427,7 @@
           <a:p>
             <a:fld id="{5B77C197-D35B-B247-B324-7DFF9427B61F}" type="datetimeFigureOut">
               <a:rPr lang="en-IT" smtClean="0"/>
-              <a:t>28/10/23</a:t>
+              <a:t>31/10/23</a:t>
             </a:fld>
             <a:endParaRPr lang="en-IT"/>
           </a:p>
@@ -1853,7 +1842,7 @@
           <a:p>
             <a:fld id="{5B77C197-D35B-B247-B324-7DFF9427B61F}" type="datetimeFigureOut">
               <a:rPr lang="en-IT" smtClean="0"/>
-              <a:t>28/10/23</a:t>
+              <a:t>31/10/23</a:t>
             </a:fld>
             <a:endParaRPr lang="en-IT"/>
           </a:p>
@@ -1995,7 +1984,7 @@
           <a:p>
             <a:fld id="{5B77C197-D35B-B247-B324-7DFF9427B61F}" type="datetimeFigureOut">
               <a:rPr lang="en-IT" smtClean="0"/>
-              <a:t>28/10/23</a:t>
+              <a:t>31/10/23</a:t>
             </a:fld>
             <a:endParaRPr lang="en-IT"/>
           </a:p>
@@ -2108,7 +2097,7 @@
           <a:p>
             <a:fld id="{5B77C197-D35B-B247-B324-7DFF9427B61F}" type="datetimeFigureOut">
               <a:rPr lang="en-IT" smtClean="0"/>
-              <a:t>28/10/23</a:t>
+              <a:t>31/10/23</a:t>
             </a:fld>
             <a:endParaRPr lang="en-IT"/>
           </a:p>
@@ -2421,7 +2410,7 @@
           <a:p>
             <a:fld id="{5B77C197-D35B-B247-B324-7DFF9427B61F}" type="datetimeFigureOut">
               <a:rPr lang="en-IT" smtClean="0"/>
-              <a:t>28/10/23</a:t>
+              <a:t>31/10/23</a:t>
             </a:fld>
             <a:endParaRPr lang="en-IT"/>
           </a:p>
@@ -2710,7 +2699,7 @@
           <a:p>
             <a:fld id="{5B77C197-D35B-B247-B324-7DFF9427B61F}" type="datetimeFigureOut">
               <a:rPr lang="en-IT" smtClean="0"/>
-              <a:t>28/10/23</a:t>
+              <a:t>31/10/23</a:t>
             </a:fld>
             <a:endParaRPr lang="en-IT"/>
           </a:p>
@@ -2953,7 +2942,7 @@
           <a:p>
             <a:fld id="{5B77C197-D35B-B247-B324-7DFF9427B61F}" type="datetimeFigureOut">
               <a:rPr lang="en-IT" smtClean="0"/>
-              <a:t>28/10/23</a:t>
+              <a:t>31/10/23</a:t>
             </a:fld>
             <a:endParaRPr lang="en-IT"/>
           </a:p>
@@ -3841,514 +3830,6 @@
 </p:sld>
 </file>
 
-<file path=ppt/slides/slide14.xml><?xml version="1.0" encoding="utf-8"?>
-<p:sld xmlns:a="http://schemas.openxmlformats.org/drawingml/2006/main" xmlns:r="http://schemas.openxmlformats.org/officeDocument/2006/relationships" xmlns:p="http://schemas.openxmlformats.org/presentationml/2006/main">
-  <p:cSld>
-    <p:spTree>
-      <p:nvGrpSpPr>
-        <p:cNvPr id="1" name=""/>
-        <p:cNvGrpSpPr/>
-        <p:nvPr/>
-      </p:nvGrpSpPr>
-      <p:grpSpPr>
-        <a:xfrm>
-          <a:off x="0" y="0"/>
-          <a:ext cx="0" cy="0"/>
-          <a:chOff x="0" y="0"/>
-          <a:chExt cx="0" cy="0"/>
-        </a:xfrm>
-      </p:grpSpPr>
-      <p:sp>
-        <p:nvSpPr>
-          <p:cNvPr id="2" name="Title 1">
-            <a:extLst>
-              <a:ext uri="{FF2B5EF4-FFF2-40B4-BE49-F238E27FC236}">
-                <a16:creationId xmlns:a16="http://schemas.microsoft.com/office/drawing/2014/main" id="{A4B42C54-ECCB-DD81-2847-229FDC55D56C}"/>
-              </a:ext>
-            </a:extLst>
-          </p:cNvPr>
-          <p:cNvSpPr>
-            <a:spLocks noGrp="1"/>
-          </p:cNvSpPr>
-          <p:nvPr>
-            <p:ph type="title"/>
-          </p:nvPr>
-        </p:nvSpPr>
-        <p:spPr/>
-        <p:txBody>
-          <a:bodyPr/>
-          <a:lstStyle/>
-          <a:p>
-            <a:r>
-              <a:rPr lang="en-IT" dirty="0"/>
-              <a:t>Esempio </a:t>
-            </a:r>
-          </a:p>
-        </p:txBody>
-      </p:sp>
-      <p:pic>
-        <p:nvPicPr>
-          <p:cNvPr id="3" name="Picture 2">
-            <a:extLst>
-              <a:ext uri="{FF2B5EF4-FFF2-40B4-BE49-F238E27FC236}">
-                <a16:creationId xmlns:a16="http://schemas.microsoft.com/office/drawing/2014/main" id="{087FD59C-DAAA-76B9-671E-9CDF9DDCB954}"/>
-              </a:ext>
-            </a:extLst>
-          </p:cNvPr>
-          <p:cNvPicPr>
-            <a:picLocks noChangeAspect="1"/>
-          </p:cNvPicPr>
-          <p:nvPr/>
-        </p:nvPicPr>
-        <p:blipFill>
-          <a:blip r:embed="rId2"/>
-          <a:stretch>
-            <a:fillRect/>
-          </a:stretch>
-        </p:blipFill>
-        <p:spPr>
-          <a:xfrm>
-            <a:off x="2506042" y="1778828"/>
-            <a:ext cx="6464300" cy="3568700"/>
-          </a:xfrm>
-          <a:prstGeom prst="rect">
-            <a:avLst/>
-          </a:prstGeom>
-        </p:spPr>
-      </p:pic>
-    </p:spTree>
-    <p:extLst>
-      <p:ext uri="{BB962C8B-B14F-4D97-AF65-F5344CB8AC3E}">
-        <p14:creationId xmlns:p14="http://schemas.microsoft.com/office/powerpoint/2010/main" val="3664972745"/>
-      </p:ext>
-    </p:extLst>
-  </p:cSld>
-  <p:clrMapOvr>
-    <a:masterClrMapping/>
-  </p:clrMapOvr>
-</p:sld>
-</file>
-
-<file path=ppt/slides/slide15.xml><?xml version="1.0" encoding="utf-8"?>
-<p:sld xmlns:a="http://schemas.openxmlformats.org/drawingml/2006/main" xmlns:r="http://schemas.openxmlformats.org/officeDocument/2006/relationships" xmlns:p="http://schemas.openxmlformats.org/presentationml/2006/main">
-  <p:cSld>
-    <p:spTree>
-      <p:nvGrpSpPr>
-        <p:cNvPr id="1" name=""/>
-        <p:cNvGrpSpPr/>
-        <p:nvPr/>
-      </p:nvGrpSpPr>
-      <p:grpSpPr>
-        <a:xfrm>
-          <a:off x="0" y="0"/>
-          <a:ext cx="0" cy="0"/>
-          <a:chOff x="0" y="0"/>
-          <a:chExt cx="0" cy="0"/>
-        </a:xfrm>
-      </p:grpSpPr>
-      <p:sp>
-        <p:nvSpPr>
-          <p:cNvPr id="2" name="Title 1">
-            <a:extLst>
-              <a:ext uri="{FF2B5EF4-FFF2-40B4-BE49-F238E27FC236}">
-                <a16:creationId xmlns:a16="http://schemas.microsoft.com/office/drawing/2014/main" id="{9176EC17-F656-E3A2-0317-C4C06DD15E9F}"/>
-              </a:ext>
-            </a:extLst>
-          </p:cNvPr>
-          <p:cNvSpPr>
-            <a:spLocks noGrp="1"/>
-          </p:cNvSpPr>
-          <p:nvPr>
-            <p:ph type="title"/>
-          </p:nvPr>
-        </p:nvSpPr>
-        <p:spPr/>
-        <p:txBody>
-          <a:bodyPr/>
-          <a:lstStyle/>
-          <a:p>
-            <a:r>
-              <a:rPr lang="en-IT" dirty="0"/>
-              <a:t>Esempio</a:t>
-            </a:r>
-          </a:p>
-        </p:txBody>
-      </p:sp>
-      <p:pic>
-        <p:nvPicPr>
-          <p:cNvPr id="4" name="Content Placeholder 3">
-            <a:extLst>
-              <a:ext uri="{FF2B5EF4-FFF2-40B4-BE49-F238E27FC236}">
-                <a16:creationId xmlns:a16="http://schemas.microsoft.com/office/drawing/2014/main" id="{A186CC8D-1195-1782-8B74-BE817485081B}"/>
-              </a:ext>
-            </a:extLst>
-          </p:cNvPr>
-          <p:cNvPicPr>
-            <a:picLocks noGrp="1" noChangeAspect="1"/>
-          </p:cNvPicPr>
-          <p:nvPr>
-            <p:ph idx="1"/>
-          </p:nvPr>
-        </p:nvPicPr>
-        <p:blipFill>
-          <a:blip r:embed="rId2"/>
-          <a:stretch>
-            <a:fillRect/>
-          </a:stretch>
-        </p:blipFill>
-        <p:spPr>
-          <a:xfrm>
-            <a:off x="2813050" y="2534444"/>
-            <a:ext cx="6565900" cy="2933700"/>
-          </a:xfrm>
-          <a:prstGeom prst="rect">
-            <a:avLst/>
-          </a:prstGeom>
-        </p:spPr>
-      </p:pic>
-    </p:spTree>
-    <p:extLst>
-      <p:ext uri="{BB962C8B-B14F-4D97-AF65-F5344CB8AC3E}">
-        <p14:creationId xmlns:p14="http://schemas.microsoft.com/office/powerpoint/2010/main" val="2957656975"/>
-      </p:ext>
-    </p:extLst>
-  </p:cSld>
-  <p:clrMapOvr>
-    <a:masterClrMapping/>
-  </p:clrMapOvr>
-</p:sld>
-</file>
-
-<file path=ppt/slides/slide16.xml><?xml version="1.0" encoding="utf-8"?>
-<p:sld xmlns:a="http://schemas.openxmlformats.org/drawingml/2006/main" xmlns:r="http://schemas.openxmlformats.org/officeDocument/2006/relationships" xmlns:p="http://schemas.openxmlformats.org/presentationml/2006/main">
-  <p:cSld>
-    <p:spTree>
-      <p:nvGrpSpPr>
-        <p:cNvPr id="1" name=""/>
-        <p:cNvGrpSpPr/>
-        <p:nvPr/>
-      </p:nvGrpSpPr>
-      <p:grpSpPr>
-        <a:xfrm>
-          <a:off x="0" y="0"/>
-          <a:ext cx="0" cy="0"/>
-          <a:chOff x="0" y="0"/>
-          <a:chExt cx="0" cy="0"/>
-        </a:xfrm>
-      </p:grpSpPr>
-      <p:sp>
-        <p:nvSpPr>
-          <p:cNvPr id="2" name="Title 1">
-            <a:extLst>
-              <a:ext uri="{FF2B5EF4-FFF2-40B4-BE49-F238E27FC236}">
-                <a16:creationId xmlns:a16="http://schemas.microsoft.com/office/drawing/2014/main" id="{13C0F8E7-0B94-3AB5-8249-2FC73BAEFE54}"/>
-              </a:ext>
-            </a:extLst>
-          </p:cNvPr>
-          <p:cNvSpPr>
-            <a:spLocks noGrp="1"/>
-          </p:cNvSpPr>
-          <p:nvPr>
-            <p:ph type="title"/>
-          </p:nvPr>
-        </p:nvSpPr>
-        <p:spPr/>
-        <p:txBody>
-          <a:bodyPr/>
-          <a:lstStyle/>
-          <a:p>
-            <a:r>
-              <a:rPr lang="en-IT" dirty="0"/>
-              <a:t>Esempio</a:t>
-            </a:r>
-          </a:p>
-        </p:txBody>
-      </p:sp>
-      <p:pic>
-        <p:nvPicPr>
-          <p:cNvPr id="4" name="Content Placeholder 3">
-            <a:extLst>
-              <a:ext uri="{FF2B5EF4-FFF2-40B4-BE49-F238E27FC236}">
-                <a16:creationId xmlns:a16="http://schemas.microsoft.com/office/drawing/2014/main" id="{A2636E9C-B2F0-F399-7488-8659A4BD36AF}"/>
-              </a:ext>
-            </a:extLst>
-          </p:cNvPr>
-          <p:cNvPicPr>
-            <a:picLocks noGrp="1" noChangeAspect="1"/>
-          </p:cNvPicPr>
-          <p:nvPr>
-            <p:ph idx="1"/>
-          </p:nvPr>
-        </p:nvPicPr>
-        <p:blipFill>
-          <a:blip r:embed="rId2"/>
-          <a:stretch>
-            <a:fillRect/>
-          </a:stretch>
-        </p:blipFill>
-        <p:spPr>
-          <a:xfrm>
-            <a:off x="2526017" y="1253331"/>
-            <a:ext cx="6503861" cy="4351338"/>
-          </a:xfrm>
-          <a:prstGeom prst="rect">
-            <a:avLst/>
-          </a:prstGeom>
-        </p:spPr>
-      </p:pic>
-    </p:spTree>
-    <p:extLst>
-      <p:ext uri="{BB962C8B-B14F-4D97-AF65-F5344CB8AC3E}">
-        <p14:creationId xmlns:p14="http://schemas.microsoft.com/office/powerpoint/2010/main" val="645356918"/>
-      </p:ext>
-    </p:extLst>
-  </p:cSld>
-  <p:clrMapOvr>
-    <a:masterClrMapping/>
-  </p:clrMapOvr>
-</p:sld>
-</file>
-
-<file path=ppt/slides/slide17.xml><?xml version="1.0" encoding="utf-8"?>
-<p:sld xmlns:a="http://schemas.openxmlformats.org/drawingml/2006/main" xmlns:r="http://schemas.openxmlformats.org/officeDocument/2006/relationships" xmlns:p="http://schemas.openxmlformats.org/presentationml/2006/main">
-  <p:cSld>
-    <p:spTree>
-      <p:nvGrpSpPr>
-        <p:cNvPr id="1" name=""/>
-        <p:cNvGrpSpPr/>
-        <p:nvPr/>
-      </p:nvGrpSpPr>
-      <p:grpSpPr>
-        <a:xfrm>
-          <a:off x="0" y="0"/>
-          <a:ext cx="0" cy="0"/>
-          <a:chOff x="0" y="0"/>
-          <a:chExt cx="0" cy="0"/>
-        </a:xfrm>
-      </p:grpSpPr>
-      <p:sp>
-        <p:nvSpPr>
-          <p:cNvPr id="2" name="Title 1">
-            <a:extLst>
-              <a:ext uri="{FF2B5EF4-FFF2-40B4-BE49-F238E27FC236}">
-                <a16:creationId xmlns:a16="http://schemas.microsoft.com/office/drawing/2014/main" id="{9BF2EC7A-4F36-FE35-0CD9-57A38AA8F98D}"/>
-              </a:ext>
-            </a:extLst>
-          </p:cNvPr>
-          <p:cNvSpPr>
-            <a:spLocks noGrp="1"/>
-          </p:cNvSpPr>
-          <p:nvPr>
-            <p:ph type="title"/>
-          </p:nvPr>
-        </p:nvSpPr>
-        <p:spPr>
-          <a:xfrm>
-            <a:off x="3730487" y="2766218"/>
-            <a:ext cx="10515600" cy="1325563"/>
-          </a:xfrm>
-        </p:spPr>
-        <p:txBody>
-          <a:bodyPr/>
-          <a:lstStyle/>
-          <a:p>
-            <a:r>
-              <a:rPr lang="en-IT" dirty="0"/>
-              <a:t>Metodo delle forze</a:t>
-            </a:r>
-          </a:p>
-        </p:txBody>
-      </p:sp>
-    </p:spTree>
-    <p:extLst>
-      <p:ext uri="{BB962C8B-B14F-4D97-AF65-F5344CB8AC3E}">
-        <p14:creationId xmlns:p14="http://schemas.microsoft.com/office/powerpoint/2010/main" val="31385545"/>
-      </p:ext>
-    </p:extLst>
-  </p:cSld>
-  <p:clrMapOvr>
-    <a:masterClrMapping/>
-  </p:clrMapOvr>
-</p:sld>
-</file>
-
-<file path=ppt/slides/slide18.xml><?xml version="1.0" encoding="utf-8"?>
-<p:sld xmlns:a="http://schemas.openxmlformats.org/drawingml/2006/main" xmlns:r="http://schemas.openxmlformats.org/officeDocument/2006/relationships" xmlns:p="http://schemas.openxmlformats.org/presentationml/2006/main">
-  <p:cSld>
-    <p:spTree>
-      <p:nvGrpSpPr>
-        <p:cNvPr id="1" name=""/>
-        <p:cNvGrpSpPr/>
-        <p:nvPr/>
-      </p:nvGrpSpPr>
-      <p:grpSpPr>
-        <a:xfrm>
-          <a:off x="0" y="0"/>
-          <a:ext cx="0" cy="0"/>
-          <a:chOff x="0" y="0"/>
-          <a:chExt cx="0" cy="0"/>
-        </a:xfrm>
-      </p:grpSpPr>
-      <p:sp>
-        <p:nvSpPr>
-          <p:cNvPr id="2" name="Title 1">
-            <a:extLst>
-              <a:ext uri="{FF2B5EF4-FFF2-40B4-BE49-F238E27FC236}">
-                <a16:creationId xmlns:a16="http://schemas.microsoft.com/office/drawing/2014/main" id="{C7D1F9FC-9FC0-B735-4E26-1912AED064F2}"/>
-              </a:ext>
-            </a:extLst>
-          </p:cNvPr>
-          <p:cNvSpPr>
-            <a:spLocks noGrp="1"/>
-          </p:cNvSpPr>
-          <p:nvPr>
-            <p:ph type="title"/>
-          </p:nvPr>
-        </p:nvSpPr>
-        <p:spPr/>
-        <p:txBody>
-          <a:bodyPr/>
-          <a:lstStyle/>
-          <a:p>
-            <a:endParaRPr lang="en-IT"/>
-          </a:p>
-        </p:txBody>
-      </p:sp>
-      <p:sp>
-        <p:nvSpPr>
-          <p:cNvPr id="3" name="Content Placeholder 2">
-            <a:extLst>
-              <a:ext uri="{FF2B5EF4-FFF2-40B4-BE49-F238E27FC236}">
-                <a16:creationId xmlns:a16="http://schemas.microsoft.com/office/drawing/2014/main" id="{1E388F51-7C86-5D01-784F-1975948A15B2}"/>
-              </a:ext>
-            </a:extLst>
-          </p:cNvPr>
-          <p:cNvSpPr>
-            <a:spLocks noGrp="1"/>
-          </p:cNvSpPr>
-          <p:nvPr>
-            <p:ph idx="1"/>
-          </p:nvPr>
-        </p:nvSpPr>
-        <p:spPr/>
-        <p:txBody>
-          <a:bodyPr/>
-          <a:lstStyle/>
-          <a:p>
-            <a:r>
-              <a:rPr lang="en-IT" dirty="0"/>
-              <a:t>L’idea del metodo delle forze e` la seguente: si rimuovono dei vincoli in modo da rendere la struttura staticamente determinata.</a:t>
-            </a:r>
-          </a:p>
-          <a:p>
-            <a:r>
-              <a:rPr lang="en-IT" dirty="0"/>
-              <a:t>Si calcola lo spostamento in funzione delle reazioni incognite, e si impongono le condizioni di vincolo, ottenendo tante equazioni di congruenza quante solo le reazioni incognite.</a:t>
-            </a:r>
-          </a:p>
-        </p:txBody>
-      </p:sp>
-    </p:spTree>
-    <p:extLst>
-      <p:ext uri="{BB962C8B-B14F-4D97-AF65-F5344CB8AC3E}">
-        <p14:creationId xmlns:p14="http://schemas.microsoft.com/office/powerpoint/2010/main" val="84568508"/>
-      </p:ext>
-    </p:extLst>
-  </p:cSld>
-  <p:clrMapOvr>
-    <a:masterClrMapping/>
-  </p:clrMapOvr>
-</p:sld>
-</file>
-
-<file path=ppt/slides/slide19.xml><?xml version="1.0" encoding="utf-8"?>
-<p:sld xmlns:a="http://schemas.openxmlformats.org/drawingml/2006/main" xmlns:r="http://schemas.openxmlformats.org/officeDocument/2006/relationships" xmlns:p="http://schemas.openxmlformats.org/presentationml/2006/main">
-  <p:cSld>
-    <p:spTree>
-      <p:nvGrpSpPr>
-        <p:cNvPr id="1" name=""/>
-        <p:cNvGrpSpPr/>
-        <p:nvPr/>
-      </p:nvGrpSpPr>
-      <p:grpSpPr>
-        <a:xfrm>
-          <a:off x="0" y="0"/>
-          <a:ext cx="0" cy="0"/>
-          <a:chOff x="0" y="0"/>
-          <a:chExt cx="0" cy="0"/>
-        </a:xfrm>
-      </p:grpSpPr>
-      <p:sp>
-        <p:nvSpPr>
-          <p:cNvPr id="2" name="Title 1">
-            <a:extLst>
-              <a:ext uri="{FF2B5EF4-FFF2-40B4-BE49-F238E27FC236}">
-                <a16:creationId xmlns:a16="http://schemas.microsoft.com/office/drawing/2014/main" id="{AF4D0CE0-9E9E-0FAF-4F5B-4C5BC2AB9AB5}"/>
-              </a:ext>
-            </a:extLst>
-          </p:cNvPr>
-          <p:cNvSpPr>
-            <a:spLocks noGrp="1"/>
-          </p:cNvSpPr>
-          <p:nvPr>
-            <p:ph type="title"/>
-          </p:nvPr>
-        </p:nvSpPr>
-        <p:spPr/>
-        <p:txBody>
-          <a:bodyPr/>
-          <a:lstStyle/>
-          <a:p>
-            <a:r>
-              <a:rPr lang="en-IT" dirty="0"/>
-              <a:t>Esempio</a:t>
-            </a:r>
-          </a:p>
-        </p:txBody>
-      </p:sp>
-      <p:pic>
-        <p:nvPicPr>
-          <p:cNvPr id="4" name="Picture 3">
-            <a:extLst>
-              <a:ext uri="{FF2B5EF4-FFF2-40B4-BE49-F238E27FC236}">
-                <a16:creationId xmlns:a16="http://schemas.microsoft.com/office/drawing/2014/main" id="{CF7A4968-0746-3214-838C-2122D46054DB}"/>
-              </a:ext>
-            </a:extLst>
-          </p:cNvPr>
-          <p:cNvPicPr>
-            <a:picLocks noChangeAspect="1"/>
-          </p:cNvPicPr>
-          <p:nvPr/>
-        </p:nvPicPr>
-        <p:blipFill>
-          <a:blip r:embed="rId2"/>
-          <a:stretch>
-            <a:fillRect/>
-          </a:stretch>
-        </p:blipFill>
-        <p:spPr>
-          <a:xfrm>
-            <a:off x="3327400" y="1892300"/>
-            <a:ext cx="5537200" cy="3073400"/>
-          </a:xfrm>
-          <a:prstGeom prst="rect">
-            <a:avLst/>
-          </a:prstGeom>
-        </p:spPr>
-      </p:pic>
-    </p:spTree>
-    <p:extLst>
-      <p:ext uri="{BB962C8B-B14F-4D97-AF65-F5344CB8AC3E}">
-        <p14:creationId xmlns:p14="http://schemas.microsoft.com/office/powerpoint/2010/main" val="934869594"/>
-      </p:ext>
-    </p:extLst>
-  </p:cSld>
-  <p:clrMapOvr>
-    <a:masterClrMapping/>
-  </p:clrMapOvr>
-</p:sld>
-</file>
-
 <file path=ppt/slides/slide2.xml><?xml version="1.0" encoding="utf-8"?>
 <p:sld xmlns:a="http://schemas.openxmlformats.org/drawingml/2006/main" xmlns:r="http://schemas.openxmlformats.org/officeDocument/2006/relationships" xmlns:p="http://schemas.openxmlformats.org/presentationml/2006/main">
   <p:cSld>
@@ -4464,500 +3945,6 @@
     <p:extLst>
       <p:ext uri="{BB962C8B-B14F-4D97-AF65-F5344CB8AC3E}">
         <p14:creationId xmlns:p14="http://schemas.microsoft.com/office/powerpoint/2010/main" val="1923152961"/>
-      </p:ext>
-    </p:extLst>
-  </p:cSld>
-  <p:clrMapOvr>
-    <a:masterClrMapping/>
-  </p:clrMapOvr>
-</p:sld>
-</file>
-
-<file path=ppt/slides/slide20.xml><?xml version="1.0" encoding="utf-8"?>
-<p:sld xmlns:a="http://schemas.openxmlformats.org/drawingml/2006/main" xmlns:r="http://schemas.openxmlformats.org/officeDocument/2006/relationships" xmlns:p="http://schemas.openxmlformats.org/presentationml/2006/main">
-  <p:cSld>
-    <p:spTree>
-      <p:nvGrpSpPr>
-        <p:cNvPr id="1" name=""/>
-        <p:cNvGrpSpPr/>
-        <p:nvPr/>
-      </p:nvGrpSpPr>
-      <p:grpSpPr>
-        <a:xfrm>
-          <a:off x="0" y="0"/>
-          <a:ext cx="0" cy="0"/>
-          <a:chOff x="0" y="0"/>
-          <a:chExt cx="0" cy="0"/>
-        </a:xfrm>
-      </p:grpSpPr>
-      <p:sp>
-        <p:nvSpPr>
-          <p:cNvPr id="2" name="Title 1">
-            <a:extLst>
-              <a:ext uri="{FF2B5EF4-FFF2-40B4-BE49-F238E27FC236}">
-                <a16:creationId xmlns:a16="http://schemas.microsoft.com/office/drawing/2014/main" id="{9BF2EC7A-4F36-FE35-0CD9-57A38AA8F98D}"/>
-              </a:ext>
-            </a:extLst>
-          </p:cNvPr>
-          <p:cNvSpPr>
-            <a:spLocks noGrp="1"/>
-          </p:cNvSpPr>
-          <p:nvPr>
-            <p:ph type="title"/>
-          </p:nvPr>
-        </p:nvSpPr>
-        <p:spPr>
-          <a:xfrm>
-            <a:off x="3104321" y="2766218"/>
-            <a:ext cx="10515600" cy="1325563"/>
-          </a:xfrm>
-        </p:spPr>
-        <p:txBody>
-          <a:bodyPr/>
-          <a:lstStyle/>
-          <a:p>
-            <a:r>
-              <a:rPr lang="en-IT" dirty="0"/>
-              <a:t>Metodo degli spostamenti</a:t>
-            </a:r>
-          </a:p>
-        </p:txBody>
-      </p:sp>
-    </p:spTree>
-    <p:extLst>
-      <p:ext uri="{BB962C8B-B14F-4D97-AF65-F5344CB8AC3E}">
-        <p14:creationId xmlns:p14="http://schemas.microsoft.com/office/powerpoint/2010/main" val="162173743"/>
-      </p:ext>
-    </p:extLst>
-  </p:cSld>
-  <p:clrMapOvr>
-    <a:masterClrMapping/>
-  </p:clrMapOvr>
-</p:sld>
-</file>
-
-<file path=ppt/slides/slide21.xml><?xml version="1.0" encoding="utf-8"?>
-<p:sld xmlns:a="http://schemas.openxmlformats.org/drawingml/2006/main" xmlns:r="http://schemas.openxmlformats.org/officeDocument/2006/relationships" xmlns:p="http://schemas.openxmlformats.org/presentationml/2006/main">
-  <p:cSld>
-    <p:spTree>
-      <p:nvGrpSpPr>
-        <p:cNvPr id="1" name=""/>
-        <p:cNvGrpSpPr/>
-        <p:nvPr/>
-      </p:nvGrpSpPr>
-      <p:grpSpPr>
-        <a:xfrm>
-          <a:off x="0" y="0"/>
-          <a:ext cx="0" cy="0"/>
-          <a:chOff x="0" y="0"/>
-          <a:chExt cx="0" cy="0"/>
-        </a:xfrm>
-      </p:grpSpPr>
-      <p:sp>
-        <p:nvSpPr>
-          <p:cNvPr id="2" name="Title 1">
-            <a:extLst>
-              <a:ext uri="{FF2B5EF4-FFF2-40B4-BE49-F238E27FC236}">
-                <a16:creationId xmlns:a16="http://schemas.microsoft.com/office/drawing/2014/main" id="{A6E69EEE-77CA-1A68-FC6B-F11DAACAB52D}"/>
-              </a:ext>
-            </a:extLst>
-          </p:cNvPr>
-          <p:cNvSpPr>
-            <a:spLocks noGrp="1"/>
-          </p:cNvSpPr>
-          <p:nvPr>
-            <p:ph type="title"/>
-          </p:nvPr>
-        </p:nvSpPr>
-        <p:spPr/>
-        <p:txBody>
-          <a:bodyPr/>
-          <a:lstStyle/>
-          <a:p>
-            <a:r>
-              <a:rPr lang="en-IT" dirty="0"/>
-              <a:t>Equazione differenziale della trave inflessa</a:t>
-            </a:r>
-          </a:p>
-        </p:txBody>
-      </p:sp>
-      <p:pic>
-        <p:nvPicPr>
-          <p:cNvPr id="5" name="Picture 4" descr="\documentclass{article}&#10;\usepackage{amsmath,bbm,mathrsfs}&#10;\setlength\parindent{0em}&#10;\usepackage{geometry}&#10;\geometry{textwidth=10cm}&#10;\setlength\parskip{1em}&#10;\pagestyle{empty}&#10;\begin{document}&#10;&#10;Combinando la relazione&#10;$$&#10;M=EI\frac{d^2v}{dx^2}&#10;$$&#10;con le equazioni diffenziali di equilibrio&#10;$$&#10;\frac{dV}{dx}+p=0,\qquad \frac{dM}{dx}=V,&#10;$$&#10;si ottiene l'equazione differenziale della trave inflessa&#10;$$&#10;\frac{d^2}{dx^2}\Big(EI\frac{d^2v}{dx^2}\Big)=-p.&#10;$$&#10;&#10;&#10;\end{document}" title="IguanaTex Bitmap Display">
-            <a:extLst>
-              <a:ext uri="{FF2B5EF4-FFF2-40B4-BE49-F238E27FC236}">
-                <a16:creationId xmlns:a16="http://schemas.microsoft.com/office/drawing/2014/main" id="{620696A8-97DA-753F-7543-DC4C0183B508}"/>
-              </a:ext>
-            </a:extLst>
-          </p:cNvPr>
-          <p:cNvPicPr>
-            <a:picLocks noChangeAspect="1"/>
-          </p:cNvPicPr>
-          <p:nvPr>
-            <p:custDataLst>
-              <p:tags r:id="rId1"/>
-            </p:custDataLst>
-          </p:nvPr>
-        </p:nvPicPr>
-        <p:blipFill>
-          <a:blip r:embed="rId3"/>
-          <a:stretch>
-            <a:fillRect/>
-          </a:stretch>
-        </p:blipFill>
-        <p:spPr>
-          <a:xfrm>
-            <a:off x="838200" y="1690688"/>
-            <a:ext cx="5816600" cy="3657600"/>
-          </a:xfrm>
-          <a:prstGeom prst="rect">
-            <a:avLst/>
-          </a:prstGeom>
-        </p:spPr>
-      </p:pic>
-    </p:spTree>
-    <p:extLst>
-      <p:ext uri="{BB962C8B-B14F-4D97-AF65-F5344CB8AC3E}">
-        <p14:creationId xmlns:p14="http://schemas.microsoft.com/office/powerpoint/2010/main" val="2370528397"/>
-      </p:ext>
-    </p:extLst>
-  </p:cSld>
-  <p:clrMapOvr>
-    <a:masterClrMapping/>
-  </p:clrMapOvr>
-</p:sld>
-</file>
-
-<file path=ppt/slides/slide22.xml><?xml version="1.0" encoding="utf-8"?>
-<p:sld xmlns:a="http://schemas.openxmlformats.org/drawingml/2006/main" xmlns:r="http://schemas.openxmlformats.org/officeDocument/2006/relationships" xmlns:p="http://schemas.openxmlformats.org/presentationml/2006/main">
-  <p:cSld>
-    <p:spTree>
-      <p:nvGrpSpPr>
-        <p:cNvPr id="1" name=""/>
-        <p:cNvGrpSpPr/>
-        <p:nvPr/>
-      </p:nvGrpSpPr>
-      <p:grpSpPr>
-        <a:xfrm>
-          <a:off x="0" y="0"/>
-          <a:ext cx="0" cy="0"/>
-          <a:chOff x="0" y="0"/>
-          <a:chExt cx="0" cy="0"/>
-        </a:xfrm>
-      </p:grpSpPr>
-      <p:sp>
-        <p:nvSpPr>
-          <p:cNvPr id="2" name="Title 1">
-            <a:extLst>
-              <a:ext uri="{FF2B5EF4-FFF2-40B4-BE49-F238E27FC236}">
-                <a16:creationId xmlns:a16="http://schemas.microsoft.com/office/drawing/2014/main" id="{1438903F-0CD1-67A8-638E-985AFAE19FAD}"/>
-              </a:ext>
-            </a:extLst>
-          </p:cNvPr>
-          <p:cNvSpPr>
-            <a:spLocks noGrp="1"/>
-          </p:cNvSpPr>
-          <p:nvPr>
-            <p:ph type="title"/>
-          </p:nvPr>
-        </p:nvSpPr>
-        <p:spPr/>
-        <p:txBody>
-          <a:bodyPr/>
-          <a:lstStyle/>
-          <a:p>
-            <a:r>
-              <a:rPr lang="en-IT" dirty="0"/>
-              <a:t>Convenzione italiana</a:t>
-            </a:r>
-          </a:p>
-        </p:txBody>
-      </p:sp>
-      <p:sp>
-        <p:nvSpPr>
-          <p:cNvPr id="3" name="Content Placeholder 2">
-            <a:extLst>
-              <a:ext uri="{FF2B5EF4-FFF2-40B4-BE49-F238E27FC236}">
-                <a16:creationId xmlns:a16="http://schemas.microsoft.com/office/drawing/2014/main" id="{71AEFA2F-4789-A860-0217-97A243147D7B}"/>
-              </a:ext>
-            </a:extLst>
-          </p:cNvPr>
-          <p:cNvSpPr>
-            <a:spLocks noGrp="1"/>
-          </p:cNvSpPr>
-          <p:nvPr>
-            <p:ph idx="1"/>
-          </p:nvPr>
-        </p:nvSpPr>
-        <p:spPr/>
-        <p:txBody>
-          <a:bodyPr/>
-          <a:lstStyle/>
-          <a:p>
-            <a:r>
-              <a:rPr lang="en-IT" dirty="0"/>
-              <a:t>Nei manuali italiani, l’equazione differenziale della trave inflessa ha la forma</a:t>
-            </a:r>
-          </a:p>
-        </p:txBody>
-      </p:sp>
-      <p:pic>
-        <p:nvPicPr>
-          <p:cNvPr id="6" name="Picture 5" descr="\documentclass{article}&#10;\usepackage{amsmath,bbm,mathrsfs}&#10;\setlength\parindent{0em}&#10;\usepackage{geometry}&#10;\geometry{textwidth=10cm}&#10;\setlength\parskip{1em}&#10;\pagestyle{empty}&#10;\begin{document}&#10;&#10;$$&#10;\frac{d^2}{dx^2}\Big(EI\frac{d^2v}{dx^2}\Big)=p.&#10;$$&#10;&#10;&#10;\end{document}" title="IguanaTex Bitmap Display">
-            <a:extLst>
-              <a:ext uri="{FF2B5EF4-FFF2-40B4-BE49-F238E27FC236}">
-                <a16:creationId xmlns:a16="http://schemas.microsoft.com/office/drawing/2014/main" id="{DBCD8440-CDA5-0475-92FA-9AA92A169309}"/>
-              </a:ext>
-            </a:extLst>
-          </p:cNvPr>
-          <p:cNvPicPr>
-            <a:picLocks noChangeAspect="1"/>
-          </p:cNvPicPr>
-          <p:nvPr>
-            <p:custDataLst>
-              <p:tags r:id="rId1"/>
-            </p:custDataLst>
-          </p:nvPr>
-        </p:nvPicPr>
-        <p:blipFill>
-          <a:blip r:embed="rId3"/>
-          <a:stretch>
-            <a:fillRect/>
-          </a:stretch>
-        </p:blipFill>
-        <p:spPr>
-          <a:xfrm>
-            <a:off x="1108765" y="2870200"/>
-            <a:ext cx="2032000" cy="558800"/>
-          </a:xfrm>
-          <a:prstGeom prst="rect">
-            <a:avLst/>
-          </a:prstGeom>
-        </p:spPr>
-      </p:pic>
-    </p:spTree>
-    <p:extLst>
-      <p:ext uri="{BB962C8B-B14F-4D97-AF65-F5344CB8AC3E}">
-        <p14:creationId xmlns:p14="http://schemas.microsoft.com/office/powerpoint/2010/main" val="3792835083"/>
-      </p:ext>
-    </p:extLst>
-  </p:cSld>
-  <p:clrMapOvr>
-    <a:masterClrMapping/>
-  </p:clrMapOvr>
-</p:sld>
-</file>
-
-<file path=ppt/slides/slide23.xml><?xml version="1.0" encoding="utf-8"?>
-<p:sld xmlns:a="http://schemas.openxmlformats.org/drawingml/2006/main" xmlns:r="http://schemas.openxmlformats.org/officeDocument/2006/relationships" xmlns:p="http://schemas.openxmlformats.org/presentationml/2006/main">
-  <p:cSld>
-    <p:spTree>
-      <p:nvGrpSpPr>
-        <p:cNvPr id="1" name=""/>
-        <p:cNvGrpSpPr/>
-        <p:nvPr/>
-      </p:nvGrpSpPr>
-      <p:grpSpPr>
-        <a:xfrm>
-          <a:off x="0" y="0"/>
-          <a:ext cx="0" cy="0"/>
-          <a:chOff x="0" y="0"/>
-          <a:chExt cx="0" cy="0"/>
-        </a:xfrm>
-      </p:grpSpPr>
-      <p:sp>
-        <p:nvSpPr>
-          <p:cNvPr id="2" name="Title 1">
-            <a:extLst>
-              <a:ext uri="{FF2B5EF4-FFF2-40B4-BE49-F238E27FC236}">
-                <a16:creationId xmlns:a16="http://schemas.microsoft.com/office/drawing/2014/main" id="{33FAB168-60B4-1824-F2BD-DA3186ED8573}"/>
-              </a:ext>
-            </a:extLst>
-          </p:cNvPr>
-          <p:cNvSpPr>
-            <a:spLocks noGrp="1"/>
-          </p:cNvSpPr>
-          <p:nvPr>
-            <p:ph type="title"/>
-          </p:nvPr>
-        </p:nvSpPr>
-        <p:spPr/>
-        <p:txBody>
-          <a:bodyPr/>
-          <a:lstStyle/>
-          <a:p>
-            <a:r>
-              <a:rPr lang="en-IT" dirty="0"/>
-              <a:t>Esempio</a:t>
-            </a:r>
-          </a:p>
-        </p:txBody>
-      </p:sp>
-      <p:pic>
-        <p:nvPicPr>
-          <p:cNvPr id="4" name="Picture 3">
-            <a:extLst>
-              <a:ext uri="{FF2B5EF4-FFF2-40B4-BE49-F238E27FC236}">
-                <a16:creationId xmlns:a16="http://schemas.microsoft.com/office/drawing/2014/main" id="{B56A4E0A-2556-4CFD-FAB8-43A9187DF317}"/>
-              </a:ext>
-            </a:extLst>
-          </p:cNvPr>
-          <p:cNvPicPr>
-            <a:picLocks noChangeAspect="1"/>
-          </p:cNvPicPr>
-          <p:nvPr/>
-        </p:nvPicPr>
-        <p:blipFill>
-          <a:blip r:embed="rId2"/>
-          <a:stretch>
-            <a:fillRect/>
-          </a:stretch>
-        </p:blipFill>
-        <p:spPr>
-          <a:xfrm>
-            <a:off x="3327400" y="1892300"/>
-            <a:ext cx="5537200" cy="3073400"/>
-          </a:xfrm>
-          <a:prstGeom prst="rect">
-            <a:avLst/>
-          </a:prstGeom>
-        </p:spPr>
-      </p:pic>
-    </p:spTree>
-    <p:extLst>
-      <p:ext uri="{BB962C8B-B14F-4D97-AF65-F5344CB8AC3E}">
-        <p14:creationId xmlns:p14="http://schemas.microsoft.com/office/powerpoint/2010/main" val="968204347"/>
-      </p:ext>
-    </p:extLst>
-  </p:cSld>
-  <p:clrMapOvr>
-    <a:masterClrMapping/>
-  </p:clrMapOvr>
-</p:sld>
-</file>
-
-<file path=ppt/slides/slide24.xml><?xml version="1.0" encoding="utf-8"?>
-<p:sld xmlns:a="http://schemas.openxmlformats.org/drawingml/2006/main" xmlns:r="http://schemas.openxmlformats.org/officeDocument/2006/relationships" xmlns:p="http://schemas.openxmlformats.org/presentationml/2006/main">
-  <p:cSld>
-    <p:spTree>
-      <p:nvGrpSpPr>
-        <p:cNvPr id="1" name=""/>
-        <p:cNvGrpSpPr/>
-        <p:nvPr/>
-      </p:nvGrpSpPr>
-      <p:grpSpPr>
-        <a:xfrm>
-          <a:off x="0" y="0"/>
-          <a:ext cx="0" cy="0"/>
-          <a:chOff x="0" y="0"/>
-          <a:chExt cx="0" cy="0"/>
-        </a:xfrm>
-      </p:grpSpPr>
-      <p:sp>
-        <p:nvSpPr>
-          <p:cNvPr id="2" name="Title 1">
-            <a:extLst>
-              <a:ext uri="{FF2B5EF4-FFF2-40B4-BE49-F238E27FC236}">
-                <a16:creationId xmlns:a16="http://schemas.microsoft.com/office/drawing/2014/main" id="{2968A0B5-DA78-A6EC-9D13-AD4A826E0E6D}"/>
-              </a:ext>
-            </a:extLst>
-          </p:cNvPr>
-          <p:cNvSpPr>
-            <a:spLocks noGrp="1"/>
-          </p:cNvSpPr>
-          <p:nvPr>
-            <p:ph type="title"/>
-          </p:nvPr>
-        </p:nvSpPr>
-        <p:spPr>
-          <a:xfrm>
-            <a:off x="758687" y="12803"/>
-            <a:ext cx="10515600" cy="1325563"/>
-          </a:xfrm>
-        </p:spPr>
-        <p:txBody>
-          <a:bodyPr/>
-          <a:lstStyle/>
-          <a:p>
-            <a:r>
-              <a:rPr lang="en-IT" dirty="0"/>
-              <a:t>Formulazione del problema dell’equilibrio</a:t>
-            </a:r>
-          </a:p>
-        </p:txBody>
-      </p:sp>
-      <p:pic>
-        <p:nvPicPr>
-          <p:cNvPr id="5" name="Picture 4" descr="\documentclass{article}&#10;\usepackage{amsmath,bbm,mathrsfs}&#10;\setlength\parindent{0em}&#10;\usepackage{geometry}&#10;\geometry{textwidth=10cm}&#10;\setlength\parskip{1em}&#10;\pagestyle{empty}&#10;\begin{document}&#10;Data una trave, comunque vincolata e/o caricata agli estremi, soggetta a un carico distribuito $p$, lo spostamento si ottiene risolvendo l'equazione differenziale del 4o ordine con le opportune condizioni al contorno, dettate dalle condizioni di vincolo e carico.&#10;&#10;&#10;&#10;\end{document}" title="IguanaTex Bitmap Display">
-            <a:extLst>
-              <a:ext uri="{FF2B5EF4-FFF2-40B4-BE49-F238E27FC236}">
-                <a16:creationId xmlns:a16="http://schemas.microsoft.com/office/drawing/2014/main" id="{A95C3D46-B62C-4310-9BA9-36E8464C9AF2}"/>
-              </a:ext>
-            </a:extLst>
-          </p:cNvPr>
-          <p:cNvPicPr>
-            <a:picLocks noChangeAspect="1"/>
-          </p:cNvPicPr>
-          <p:nvPr>
-            <p:custDataLst>
-              <p:tags r:id="rId1"/>
-            </p:custDataLst>
-          </p:nvPr>
-        </p:nvPicPr>
-        <p:blipFill>
-          <a:blip r:embed="rId4"/>
-          <a:stretch>
-            <a:fillRect/>
-          </a:stretch>
-        </p:blipFill>
-        <p:spPr>
-          <a:xfrm>
-            <a:off x="917713" y="1282648"/>
-            <a:ext cx="7188200" cy="1168400"/>
-          </a:xfrm>
-          <a:prstGeom prst="rect">
-            <a:avLst/>
-          </a:prstGeom>
-        </p:spPr>
-      </p:pic>
-      <p:pic>
-        <p:nvPicPr>
-          <p:cNvPr id="13" name="Picture 12" descr="\documentclass{article}&#10;\usepackage{amsmath,bbm,mathrsfs}&#10;\setlength\parindent{0em}&#10;\usepackage{geometry}&#10;\geometry{textwidth=10cm}&#10;\setlength\parskip{1em}&#10;\pagestyle{empty}&#10;\begin{document}&#10;&#10;Per la mensola AB incastrata in $A$ e caricata in $B$ da una forza $P$ rivolta verso il basso&#10;$$&#10;v(0)=0,\qquad \frac{\rm d v}{dx}(0)=0,\qquad \frac{\rm d^2 v}{dx^2}(L)=0\qquad \frac{\rm d^3 v}{dx^3}(L)=\frac{P}{EI}.&#10;$$&#10;&#10;Per la trave $AB$ incastata in A, appoggiata in B, soggetta in B a una coppia $\mathcal M$&#10;$$&#10;v(0)=0,\qquad \frac{\rm d v}{dx}(0)=0,\qquad v(L)=0,\qquad \frac{\rm d^2 v}{dx^2}(L)=\frac{\mathcal M}{EI}&#10;$$&#10;&#10;\end{document}" title="IguanaTex Bitmap Display">
-            <a:extLst>
-              <a:ext uri="{FF2B5EF4-FFF2-40B4-BE49-F238E27FC236}">
-                <a16:creationId xmlns:a16="http://schemas.microsoft.com/office/drawing/2014/main" id="{EE8CB95A-66BA-AFFC-7102-D071B08BCA85}"/>
-              </a:ext>
-            </a:extLst>
-          </p:cNvPr>
-          <p:cNvPicPr>
-            <a:picLocks noChangeAspect="1"/>
-          </p:cNvPicPr>
-          <p:nvPr>
-            <p:custDataLst>
-              <p:tags r:id="rId2"/>
-            </p:custDataLst>
-          </p:nvPr>
-        </p:nvPicPr>
-        <p:blipFill>
-          <a:blip r:embed="rId5"/>
-          <a:stretch>
-            <a:fillRect/>
-          </a:stretch>
-        </p:blipFill>
-        <p:spPr>
-          <a:xfrm>
-            <a:off x="917713" y="3036957"/>
-            <a:ext cx="7188200" cy="3200400"/>
-          </a:xfrm>
-          <a:prstGeom prst="rect">
-            <a:avLst/>
-          </a:prstGeom>
-        </p:spPr>
-      </p:pic>
-    </p:spTree>
-    <p:extLst>
-      <p:ext uri="{BB962C8B-B14F-4D97-AF65-F5344CB8AC3E}">
-        <p14:creationId xmlns:p14="http://schemas.microsoft.com/office/powerpoint/2010/main" val="795680454"/>
       </p:ext>
     </p:extLst>
   </p:cSld>
@@ -5659,26 +4646,6 @@
   <p:tag name="LATEXADDIN" val="\documentclass{article}&#10;\usepackage{amsmath,bbm,mathrsfs}&#10;\setlength\parindent{0em}&#10;\usepackage{geometry}&#10;\geometry{textwidth=10cm}&#10;\setlength\parskip{1em}&#10;\pagestyle{empty}&#10;\begin{document}&#10;&#10;Consideriamo il tratto $(0,x)$ di una trave.&#10;&#10;Nel caso in cui $\sigma(y,z)$ dipenda dal punto della sezione, sappiamo dalla Meccanica Razionale che la risultante e i momenti risultanti delle forze interne che agiscono sul tratto $(0,x)$ attraverso la sezione $A(x)$ sono:&#10;$$&#10;N(x)=\int_{A(x)} \sigma(x,y,z) \underbrace{{\rm d}y{\rm d}z}_{{\rm d}A},\qquad M_z(x)=\int_{A(x)}\sigma(x,y,z) y{\rm d}y{\rm d}z,\qquad M_y(x)=-\int_{A(x)}\sigma(x,y,z) z{\rm d}y{\rm d}z.&#10;$$&#10;Osserviamo che, nel caso particolare in cui $\sigma$ non dipenda da $y$ e $z$, ma solo da $x$, allora&#10;$$&#10;N(x)=\sigma(x) A(x)&#10;$$&#10;e, dato che gli assi $y$ e $z$ sono baricentrici,&#10;$$&#10;M_y(x)=M_z(x)=0.&#10;$$&#10;&#10;&#10;&#10;\end{document}"/>
   <p:tag name="IGUANATEXSIZE" val="20"/>
   <p:tag name="IGUANATEXCURSOR" val="611"/>
-  <p:tag name="TRANSPARENCY" val="True"/>
-  <p:tag name="LATEXENGINEID" val="0"/>
-  <p:tag name="TEMPFOLDER" val="/private/var/folders/bl/qr6kzqqj6dq26b3546l3vykm0000gn/T/com.microsoft.Powerpoint/TemporaryItems/"/>
-  <p:tag name="LATEXFORMHEIGHT" val="426,65"/>
-  <p:tag name="LATEXFORMWIDTH" val="513,35"/>
-  <p:tag name="LATEXFORMWRAP" val="True"/>
-  <p:tag name="BITMAPVECTOR" val="0"/>
-</p:tagLst>
-</file>
-
-<file path=ppt/tags/tag10.xml><?xml version="1.0" encoding="utf-8"?>
-<p:tagLst xmlns:a="http://schemas.openxmlformats.org/drawingml/2006/main" xmlns:r="http://schemas.openxmlformats.org/officeDocument/2006/relationships" xmlns:p="http://schemas.openxmlformats.org/presentationml/2006/main">
-  <p:tag name="OUTPUTDPI" val="1200"/>
-  <p:tag name="ORIGINALHEIGHT" val="126"/>
-  <p:tag name="ORIGINALWIDTH" val="283"/>
-  <p:tag name="OUTPUTTYPE" val="PDF"/>
-  <p:tag name="IGUANATEXVERSION" val="160"/>
-  <p:tag name="LATEXADDIN" val="\documentclass{article}&#10;\usepackage{amsmath,bbm,mathrsfs}&#10;\setlength\parindent{0em}&#10;\usepackage{geometry}&#10;\geometry{textwidth=10cm}&#10;\setlength\parskip{1em}&#10;\pagestyle{empty}&#10;\begin{document}&#10;&#10;Per la mensola AB incastrata in $A$ e caricata in $B$ da una forza $P$ rivolta verso il basso&#10;$$&#10;v(0)=0,\qquad \frac{\rm d v}{dx}(0)=0,\qquad \frac{\rm d^2 v}{dx^2}(L)=0\qquad \frac{\rm d^3 v}{dx^3}(L)=\frac{P}{EI}.&#10;$$&#10;&#10;Per la trave $AB$ incastata in A, appoggiata in B, soggetta in B a una coppia $\mathcal M$&#10;$$&#10;v(0)=0,\qquad \frac{\rm d v}{dx}(0)=0,\qquad v(L)=0,\qquad \frac{\rm d^2 v}{dx^2}(L)=\frac{\mathcal M}{EI}&#10;$$&#10;&#10;\end{document}"/>
-  <p:tag name="IGUANATEXSIZE" val="20"/>
-  <p:tag name="IGUANATEXCURSOR" val="368"/>
   <p:tag name="TRANSPARENCY" val="True"/>
   <p:tag name="LATEXENGINEID" val="0"/>
   <p:tag name="TEMPFOLDER" val="/private/var/folders/bl/qr6kzqqj6dq26b3546l3vykm0000gn/T/com.microsoft.Powerpoint/TemporaryItems/"/>
@@ -5779,66 +4746,6 @@
   <p:tag name="LATEXADDIN" val="\documentclass{article}&#10;\usepackage{amsmath,bbm,mathrsfs}&#10;\setlength\parindent{0em}&#10;\usepackage{geometry}&#10;\geometry{textwidth=10cm}&#10;\setlength\parskip{1em}&#10;\pagestyle{empty}&#10;\begin{document}&#10;Nei manuali italiani, il sistema $(x,y,z)$ \`e scelto in modo che $z$ sia diretto lungo l'asse della trave.&#10;&#10;Inoltre, per i sistemi piani, l'asse $x$ esce dal piano, e dunque, per una trave orientata da sinistra a destra, lo spostamento $v(x)$ rappresenta l'abbassamento della sezione $x$.&#10;&#10;Pertanto, sui testi italiani si legge&#10;$$&#10;\frac 1 \rho=-\frac{d^2v}{dx^2}&#10;$$&#10;e l'equazione costitutiva $M=EI/\rho$ prende la forma&#10;$$&#10;M=-{EI}\frac{d^2v}{dx^2}.&#10;$$&#10;&#10;&#10;&#10;&#10; &#10;&#10;&#10;&#10;\end{document}"/>
   <p:tag name="IGUANATEXSIZE" val="18"/>
   <p:tag name="IGUANATEXCURSOR" val="618"/>
-  <p:tag name="TRANSPARENCY" val="True"/>
-  <p:tag name="LATEXENGINEID" val="0"/>
-  <p:tag name="TEMPFOLDER" val="/private/var/folders/bl/qr6kzqqj6dq26b3546l3vykm0000gn/T/com.microsoft.Powerpoint/TemporaryItems/"/>
-  <p:tag name="LATEXFORMHEIGHT" val="426,65"/>
-  <p:tag name="LATEXFORMWIDTH" val="513,35"/>
-  <p:tag name="LATEXFORMWRAP" val="True"/>
-  <p:tag name="BITMAPVECTOR" val="0"/>
-</p:tagLst>
-</file>
-
-<file path=ppt/tags/tag7.xml><?xml version="1.0" encoding="utf-8"?>
-<p:tagLst xmlns:a="http://schemas.openxmlformats.org/drawingml/2006/main" xmlns:r="http://schemas.openxmlformats.org/officeDocument/2006/relationships" xmlns:p="http://schemas.openxmlformats.org/presentationml/2006/main">
-  <p:tag name="OUTPUTDPI" val="1200"/>
-  <p:tag name="ORIGINALHEIGHT" val="144"/>
-  <p:tag name="ORIGINALWIDTH" val="229"/>
-  <p:tag name="OUTPUTTYPE" val="PDF"/>
-  <p:tag name="IGUANATEXVERSION" val="160"/>
-  <p:tag name="LATEXADDIN" val="\documentclass{article}&#10;\usepackage{amsmath,bbm,mathrsfs}&#10;\setlength\parindent{0em}&#10;\usepackage{geometry}&#10;\geometry{textwidth=10cm}&#10;\setlength\parskip{1em}&#10;\pagestyle{empty}&#10;\begin{document}&#10;&#10;Combinando la relazione&#10;$$&#10;M=EI\frac{d^2v}{dx^2}&#10;$$&#10;con le equazioni diffenziali di equilibrio&#10;$$&#10;\frac{dV}{dx}+p=0,\qquad \frac{dM}{dx}=V,&#10;$$&#10;si ottiene l'equazione differenziale della trave inflessa&#10;$$&#10;\frac{d^2}{dx^2}\Big(EI\frac{d^2v}{dx^2}\Big)=-p.&#10;$$&#10;&#10;&#10;\end{document}"/>
-  <p:tag name="IGUANATEXSIZE" val="20"/>
-  <p:tag name="IGUANATEXCURSOR" val="445"/>
-  <p:tag name="TRANSPARENCY" val="True"/>
-  <p:tag name="LATEXENGINEID" val="0"/>
-  <p:tag name="TEMPFOLDER" val="/private/var/folders/bl/qr6kzqqj6dq26b3546l3vykm0000gn/T/com.microsoft.Powerpoint/TemporaryItems/"/>
-  <p:tag name="LATEXFORMHEIGHT" val="426,65"/>
-  <p:tag name="LATEXFORMWIDTH" val="513,35"/>
-  <p:tag name="LATEXFORMWRAP" val="True"/>
-  <p:tag name="BITMAPVECTOR" val="0"/>
-</p:tagLst>
-</file>
-
-<file path=ppt/tags/tag8.xml><?xml version="1.0" encoding="utf-8"?>
-<p:tagLst xmlns:a="http://schemas.openxmlformats.org/drawingml/2006/main" xmlns:r="http://schemas.openxmlformats.org/officeDocument/2006/relationships" xmlns:p="http://schemas.openxmlformats.org/presentationml/2006/main">
-  <p:tag name="OUTPUTDPI" val="1200"/>
-  <p:tag name="ORIGINALHEIGHT" val="22"/>
-  <p:tag name="ORIGINALWIDTH" val="80"/>
-  <p:tag name="OUTPUTTYPE" val="PDF"/>
-  <p:tag name="IGUANATEXVERSION" val="160"/>
-  <p:tag name="LATEXADDIN" val="\documentclass{article}&#10;\usepackage{amsmath,bbm,mathrsfs}&#10;\setlength\parindent{0em}&#10;\usepackage{geometry}&#10;\geometry{textwidth=10cm}&#10;\setlength\parskip{1em}&#10;\pagestyle{empty}&#10;\begin{document}&#10;&#10;$$&#10;\frac{d^2}{dx^2}\Big(EI\frac{d^2v}{dx^2}\Big)=p.&#10;$$&#10;&#10;&#10;\end{document}"/>
-  <p:tag name="IGUANATEXSIZE" val="20"/>
-  <p:tag name="IGUANATEXCURSOR" val="241"/>
-  <p:tag name="TRANSPARENCY" val="True"/>
-  <p:tag name="LATEXENGINEID" val="0"/>
-  <p:tag name="TEMPFOLDER" val="/private/var/folders/bl/qr6kzqqj6dq26b3546l3vykm0000gn/T/com.microsoft.Powerpoint/TemporaryItems/"/>
-  <p:tag name="LATEXFORMHEIGHT" val="426,65"/>
-  <p:tag name="LATEXFORMWIDTH" val="513,35"/>
-  <p:tag name="LATEXFORMWRAP" val="True"/>
-  <p:tag name="BITMAPVECTOR" val="0"/>
-</p:tagLst>
-</file>
-
-<file path=ppt/tags/tag9.xml><?xml version="1.0" encoding="utf-8"?>
-<p:tagLst xmlns:a="http://schemas.openxmlformats.org/drawingml/2006/main" xmlns:r="http://schemas.openxmlformats.org/officeDocument/2006/relationships" xmlns:p="http://schemas.openxmlformats.org/presentationml/2006/main">
-  <p:tag name="OUTPUTDPI" val="1200"/>
-  <p:tag name="ORIGINALHEIGHT" val="46"/>
-  <p:tag name="ORIGINALWIDTH" val="283"/>
-  <p:tag name="OUTPUTTYPE" val="PDF"/>
-  <p:tag name="IGUANATEXVERSION" val="160"/>
-  <p:tag name="LATEXADDIN" val="\documentclass{article}&#10;\usepackage{amsmath,bbm,mathrsfs}&#10;\setlength\parindent{0em}&#10;\usepackage{geometry}&#10;\geometry{textwidth=10cm}&#10;\setlength\parskip{1em}&#10;\pagestyle{empty}&#10;\begin{document}&#10;Data una trave, comunque vincolata e/o caricata agli estremi, soggetta a un carico distribuito $p$, lo spostamento si ottiene risolvendo l'equazione differenziale del 4o ordine con le opportune condizioni al contorno, dettate dalle condizioni di vincolo e carico.&#10;&#10;&#10;&#10;\end{document}"/>
-  <p:tag name="IGUANATEXSIZE" val="20"/>
-  <p:tag name="IGUANATEXCURSOR" val="454"/>
   <p:tag name="TRANSPARENCY" val="True"/>
   <p:tag name="LATEXENGINEID" val="0"/>
   <p:tag name="TEMPFOLDER" val="/private/var/folders/bl/qr6kzqqj6dq26b3546l3vykm0000gn/T/com.microsoft.Powerpoint/TemporaryItems/"/>
